--- a/Docker.pptx
+++ b/Docker.pptx
@@ -12,8 +12,19 @@
     <p:sldId id="260" r:id="rId6"/>
     <p:sldId id="261" r:id="rId7"/>
     <p:sldId id="262" r:id="rId8"/>
-    <p:sldId id="263" r:id="rId9"/>
-    <p:sldId id="264" r:id="rId10"/>
+    <p:sldId id="271" r:id="rId9"/>
+    <p:sldId id="272" r:id="rId10"/>
+    <p:sldId id="273" r:id="rId11"/>
+    <p:sldId id="274" r:id="rId12"/>
+    <p:sldId id="263" r:id="rId13"/>
+    <p:sldId id="264" r:id="rId14"/>
+    <p:sldId id="265" r:id="rId15"/>
+    <p:sldId id="266" r:id="rId16"/>
+    <p:sldId id="267" r:id="rId17"/>
+    <p:sldId id="268" r:id="rId18"/>
+    <p:sldId id="269" r:id="rId19"/>
+    <p:sldId id="270" r:id="rId20"/>
+    <p:sldId id="275" r:id="rId21"/>
   </p:sldIdLst>
   <p:sldSz cx="9144000" cy="6858000" type="screen4x3"/>
   <p:notesSz cx="6858000" cy="9144000"/>
@@ -397,7 +408,7 @@
     </p:spTree>
     <p:extLst>
       <p:ext uri="{BB962C8B-B14F-4D97-AF65-F5344CB8AC3E}">
-        <p14:creationId xmlns="" xmlns:p14="http://schemas.microsoft.com/office/powerpoint/2010/main" val="73042871"/>
+        <p14:creationId xmlns:p14="http://schemas.microsoft.com/office/powerpoint/2010/main" xmlns="" val="73042871"/>
       </p:ext>
     </p:extLst>
   </p:cSld>
@@ -569,7 +580,7 @@
     </p:spTree>
     <p:extLst>
       <p:ext uri="{BB962C8B-B14F-4D97-AF65-F5344CB8AC3E}">
-        <p14:creationId xmlns="" xmlns:p14="http://schemas.microsoft.com/office/powerpoint/2010/main" val="2917202970"/>
+        <p14:creationId xmlns:p14="http://schemas.microsoft.com/office/powerpoint/2010/main" xmlns="" val="2917202970"/>
       </p:ext>
     </p:extLst>
   </p:cSld>
@@ -751,7 +762,7 @@
     </p:spTree>
     <p:extLst>
       <p:ext uri="{BB962C8B-B14F-4D97-AF65-F5344CB8AC3E}">
-        <p14:creationId xmlns="" xmlns:p14="http://schemas.microsoft.com/office/powerpoint/2010/main" val="3030471883"/>
+        <p14:creationId xmlns:p14="http://schemas.microsoft.com/office/powerpoint/2010/main" xmlns="" val="3030471883"/>
       </p:ext>
     </p:extLst>
   </p:cSld>
@@ -970,7 +981,7 @@
     </p:spTree>
     <p:extLst>
       <p:ext uri="{BB962C8B-B14F-4D97-AF65-F5344CB8AC3E}">
-        <p14:creationId xmlns="" xmlns:p14="http://schemas.microsoft.com/office/powerpoint/2010/main" val="3244642920"/>
+        <p14:creationId xmlns:p14="http://schemas.microsoft.com/office/powerpoint/2010/main" xmlns="" val="3244642920"/>
       </p:ext>
     </p:extLst>
   </p:cSld>
@@ -1218,7 +1229,7 @@
     </p:spTree>
     <p:extLst>
       <p:ext uri="{BB962C8B-B14F-4D97-AF65-F5344CB8AC3E}">
-        <p14:creationId xmlns="" xmlns:p14="http://schemas.microsoft.com/office/powerpoint/2010/main" val="3343709393"/>
+        <p14:creationId xmlns:p14="http://schemas.microsoft.com/office/powerpoint/2010/main" xmlns="" val="3343709393"/>
       </p:ext>
     </p:extLst>
   </p:cSld>
@@ -1508,7 +1519,7 @@
     </p:spTree>
     <p:extLst>
       <p:ext uri="{BB962C8B-B14F-4D97-AF65-F5344CB8AC3E}">
-        <p14:creationId xmlns="" xmlns:p14="http://schemas.microsoft.com/office/powerpoint/2010/main" val="1162706845"/>
+        <p14:creationId xmlns:p14="http://schemas.microsoft.com/office/powerpoint/2010/main" xmlns="" val="1162706845"/>
       </p:ext>
     </p:extLst>
   </p:cSld>
@@ -1932,7 +1943,7 @@
     </p:spTree>
     <p:extLst>
       <p:ext uri="{BB962C8B-B14F-4D97-AF65-F5344CB8AC3E}">
-        <p14:creationId xmlns="" xmlns:p14="http://schemas.microsoft.com/office/powerpoint/2010/main" val="41326231"/>
+        <p14:creationId xmlns:p14="http://schemas.microsoft.com/office/powerpoint/2010/main" xmlns="" val="41326231"/>
       </p:ext>
     </p:extLst>
   </p:cSld>
@@ -2052,7 +2063,7 @@
     </p:spTree>
     <p:extLst>
       <p:ext uri="{BB962C8B-B14F-4D97-AF65-F5344CB8AC3E}">
-        <p14:creationId xmlns="" xmlns:p14="http://schemas.microsoft.com/office/powerpoint/2010/main" val="3052999114"/>
+        <p14:creationId xmlns:p14="http://schemas.microsoft.com/office/powerpoint/2010/main" xmlns="" val="3052999114"/>
       </p:ext>
     </p:extLst>
   </p:cSld>
@@ -2149,7 +2160,7 @@
     </p:spTree>
     <p:extLst>
       <p:ext uri="{BB962C8B-B14F-4D97-AF65-F5344CB8AC3E}">
-        <p14:creationId xmlns="" xmlns:p14="http://schemas.microsoft.com/office/powerpoint/2010/main" val="4196156867"/>
+        <p14:creationId xmlns:p14="http://schemas.microsoft.com/office/powerpoint/2010/main" xmlns="" val="4196156867"/>
       </p:ext>
     </p:extLst>
   </p:cSld>
@@ -2428,7 +2439,7 @@
     </p:spTree>
     <p:extLst>
       <p:ext uri="{BB962C8B-B14F-4D97-AF65-F5344CB8AC3E}">
-        <p14:creationId xmlns="" xmlns:p14="http://schemas.microsoft.com/office/powerpoint/2010/main" val="986623115"/>
+        <p14:creationId xmlns:p14="http://schemas.microsoft.com/office/powerpoint/2010/main" xmlns="" val="986623115"/>
       </p:ext>
     </p:extLst>
   </p:cSld>
@@ -2687,7 +2698,7 @@
     </p:spTree>
     <p:extLst>
       <p:ext uri="{BB962C8B-B14F-4D97-AF65-F5344CB8AC3E}">
-        <p14:creationId xmlns="" xmlns:p14="http://schemas.microsoft.com/office/powerpoint/2010/main" val="3638746011"/>
+        <p14:creationId xmlns:p14="http://schemas.microsoft.com/office/powerpoint/2010/main" xmlns="" val="3638746011"/>
       </p:ext>
     </p:extLst>
   </p:cSld>
@@ -2962,7 +2973,7 @@
     </p:spTree>
     <p:extLst>
       <p:ext uri="{BB962C8B-B14F-4D97-AF65-F5344CB8AC3E}">
-        <p14:creationId xmlns="" xmlns:p14="http://schemas.microsoft.com/office/powerpoint/2010/main" val="496531607"/>
+        <p14:creationId xmlns:p14="http://schemas.microsoft.com/office/powerpoint/2010/main" xmlns="" val="496531607"/>
       </p:ext>
     </p:extLst>
   </p:cSld>
@@ -3296,11 +3307,1693 @@
           </a:p>
         </p:txBody>
       </p:sp>
+      <p:pic>
+        <p:nvPicPr>
+          <p:cNvPr id="7170" name="Picture 2"/>
+          <p:cNvPicPr>
+            <a:picLocks noChangeAspect="1" noChangeArrowheads="1"/>
+          </p:cNvPicPr>
+          <p:nvPr/>
+        </p:nvPicPr>
+        <p:blipFill>
+          <a:blip r:embed="rId2" cstate="print"/>
+          <a:srcRect/>
+          <a:stretch>
+            <a:fillRect/>
+          </a:stretch>
+        </p:blipFill>
+        <p:spPr bwMode="auto">
+          <a:xfrm>
+            <a:off x="4788024" y="5229200"/>
+            <a:ext cx="4115172" cy="1198374"/>
+          </a:xfrm>
+          <a:prstGeom prst="rect">
+            <a:avLst/>
+          </a:prstGeom>
+          <a:noFill/>
+          <a:ln w="9525">
+            <a:noFill/>
+            <a:miter lim="800000"/>
+            <a:headEnd/>
+            <a:tailEnd/>
+          </a:ln>
+        </p:spPr>
+      </p:pic>
     </p:spTree>
   </p:cSld>
   <p:clrMapOvr>
     <a:masterClrMapping/>
   </p:clrMapOvr>
+</p:sld>
+</file>
+
+<file path=ppt/slides/slide10.xml><?xml version="1.0" encoding="utf-8"?>
+<p:sld xmlns:a="http://schemas.openxmlformats.org/drawingml/2006/main" xmlns:r="http://schemas.openxmlformats.org/officeDocument/2006/relationships" xmlns:p="http://schemas.openxmlformats.org/presentationml/2006/main">
+  <p:cSld>
+    <p:spTree>
+      <p:nvGrpSpPr>
+        <p:cNvPr id="1" name=""/>
+        <p:cNvGrpSpPr/>
+        <p:nvPr/>
+      </p:nvGrpSpPr>
+      <p:grpSpPr>
+        <a:xfrm>
+          <a:off x="0" y="0"/>
+          <a:ext cx="0" cy="0"/>
+          <a:chOff x="0" y="0"/>
+          <a:chExt cx="0" cy="0"/>
+        </a:xfrm>
+      </p:grpSpPr>
+      <p:sp>
+        <p:nvSpPr>
+          <p:cNvPr id="2" name="標題 1"/>
+          <p:cNvSpPr>
+            <a:spLocks noGrp="1"/>
+          </p:cNvSpPr>
+          <p:nvPr>
+            <p:ph type="title"/>
+          </p:nvPr>
+        </p:nvSpPr>
+        <p:spPr/>
+        <p:txBody>
+          <a:bodyPr/>
+          <a:lstStyle/>
+          <a:p>
+            <a:r>
+              <a:rPr lang="en-US" altLang="zh-TW" dirty="0" smtClean="0"/>
+              <a:t>Application</a:t>
+            </a:r>
+            <a:endParaRPr lang="zh-TW" altLang="en-US" dirty="0"/>
+          </a:p>
+        </p:txBody>
+      </p:sp>
+      <p:sp>
+        <p:nvSpPr>
+          <p:cNvPr id="3" name="內容版面配置區 2"/>
+          <p:cNvSpPr>
+            <a:spLocks noGrp="1"/>
+          </p:cNvSpPr>
+          <p:nvPr>
+            <p:ph idx="1"/>
+          </p:nvPr>
+        </p:nvSpPr>
+        <p:spPr/>
+        <p:txBody>
+          <a:bodyPr/>
+          <a:lstStyle/>
+          <a:p>
+            <a:endParaRPr lang="zh-TW" altLang="en-US"/>
+          </a:p>
+        </p:txBody>
+      </p:sp>
+      <p:pic>
+        <p:nvPicPr>
+          <p:cNvPr id="10242" name="Picture 2"/>
+          <p:cNvPicPr>
+            <a:picLocks noChangeAspect="1" noChangeArrowheads="1"/>
+          </p:cNvPicPr>
+          <p:nvPr/>
+        </p:nvPicPr>
+        <p:blipFill>
+          <a:blip r:embed="rId2" cstate="print"/>
+          <a:srcRect/>
+          <a:stretch>
+            <a:fillRect/>
+          </a:stretch>
+        </p:blipFill>
+        <p:spPr bwMode="auto">
+          <a:xfrm>
+            <a:off x="66675" y="1200150"/>
+            <a:ext cx="9077325" cy="5657850"/>
+          </a:xfrm>
+          <a:prstGeom prst="rect">
+            <a:avLst/>
+          </a:prstGeom>
+          <a:noFill/>
+          <a:ln w="9525">
+            <a:noFill/>
+            <a:miter lim="800000"/>
+            <a:headEnd/>
+            <a:tailEnd/>
+          </a:ln>
+        </p:spPr>
+      </p:pic>
+    </p:spTree>
+  </p:cSld>
+  <p:clrMapOvr>
+    <a:masterClrMapping/>
+  </p:clrMapOvr>
+  <p:timing>
+    <p:tnLst>
+      <p:par>
+        <p:cTn id="1" dur="indefinite" restart="never" nodeType="tmRoot"/>
+      </p:par>
+    </p:tnLst>
+  </p:timing>
+</p:sld>
+</file>
+
+<file path=ppt/slides/slide11.xml><?xml version="1.0" encoding="utf-8"?>
+<p:sld xmlns:a="http://schemas.openxmlformats.org/drawingml/2006/main" xmlns:r="http://schemas.openxmlformats.org/officeDocument/2006/relationships" xmlns:p="http://schemas.openxmlformats.org/presentationml/2006/main">
+  <p:cSld>
+    <p:spTree>
+      <p:nvGrpSpPr>
+        <p:cNvPr id="1" name=""/>
+        <p:cNvGrpSpPr/>
+        <p:nvPr/>
+      </p:nvGrpSpPr>
+      <p:grpSpPr>
+        <a:xfrm>
+          <a:off x="0" y="0"/>
+          <a:ext cx="0" cy="0"/>
+          <a:chOff x="0" y="0"/>
+          <a:chExt cx="0" cy="0"/>
+        </a:xfrm>
+      </p:grpSpPr>
+      <p:sp>
+        <p:nvSpPr>
+          <p:cNvPr id="4" name="標題 3"/>
+          <p:cNvSpPr>
+            <a:spLocks noGrp="1"/>
+          </p:cNvSpPr>
+          <p:nvPr>
+            <p:ph type="ctrTitle"/>
+          </p:nvPr>
+        </p:nvSpPr>
+        <p:spPr/>
+        <p:txBody>
+          <a:bodyPr/>
+          <a:lstStyle/>
+          <a:p>
+            <a:r>
+              <a:rPr lang="en-US" altLang="zh-TW" dirty="0" err="1" smtClean="0"/>
+              <a:t>Docker</a:t>
+            </a:r>
+            <a:r>
+              <a:rPr lang="en-US" altLang="zh-TW" dirty="0" smtClean="0"/>
+              <a:t> Tutorial</a:t>
+            </a:r>
+            <a:endParaRPr lang="zh-TW" altLang="en-US" dirty="0"/>
+          </a:p>
+        </p:txBody>
+      </p:sp>
+      <p:sp>
+        <p:nvSpPr>
+          <p:cNvPr id="5" name="副標題 4"/>
+          <p:cNvSpPr>
+            <a:spLocks noGrp="1"/>
+          </p:cNvSpPr>
+          <p:nvPr>
+            <p:ph type="subTitle" idx="1"/>
+          </p:nvPr>
+        </p:nvSpPr>
+        <p:spPr/>
+        <p:txBody>
+          <a:bodyPr/>
+          <a:lstStyle/>
+          <a:p>
+            <a:endParaRPr lang="zh-TW" altLang="en-US"/>
+          </a:p>
+        </p:txBody>
+      </p:sp>
+    </p:spTree>
+  </p:cSld>
+  <p:clrMapOvr>
+    <a:masterClrMapping/>
+  </p:clrMapOvr>
+</p:sld>
+</file>
+
+<file path=ppt/slides/slide12.xml><?xml version="1.0" encoding="utf-8"?>
+<p:sld xmlns:a="http://schemas.openxmlformats.org/drawingml/2006/main" xmlns:r="http://schemas.openxmlformats.org/officeDocument/2006/relationships" xmlns:p="http://schemas.openxmlformats.org/presentationml/2006/main">
+  <p:cSld>
+    <p:spTree>
+      <p:nvGrpSpPr>
+        <p:cNvPr id="1" name=""/>
+        <p:cNvGrpSpPr/>
+        <p:nvPr/>
+      </p:nvGrpSpPr>
+      <p:grpSpPr>
+        <a:xfrm>
+          <a:off x="0" y="0"/>
+          <a:ext cx="0" cy="0"/>
+          <a:chOff x="0" y="0"/>
+          <a:chExt cx="0" cy="0"/>
+        </a:xfrm>
+      </p:grpSpPr>
+      <p:sp>
+        <p:nvSpPr>
+          <p:cNvPr id="2" name="標題 1"/>
+          <p:cNvSpPr>
+            <a:spLocks noGrp="1"/>
+          </p:cNvSpPr>
+          <p:nvPr>
+            <p:ph type="title"/>
+          </p:nvPr>
+        </p:nvSpPr>
+        <p:spPr/>
+        <p:txBody>
+          <a:bodyPr>
+            <a:normAutofit fontScale="90000"/>
+          </a:bodyPr>
+          <a:lstStyle/>
+          <a:p>
+            <a:r>
+              <a:rPr lang="en-US" altLang="zh-TW" dirty="0" smtClean="0"/>
+              <a:t>Getting Started</a:t>
+            </a:r>
+            <a:r>
+              <a:rPr lang="zh-TW" altLang="en-US" dirty="0" smtClean="0"/>
+              <a:t> </a:t>
+            </a:r>
+            <a:r>
+              <a:rPr lang="en-US" altLang="zh-TW" dirty="0" smtClean="0"/>
+              <a:t>(</a:t>
+            </a:r>
+            <a:r>
+              <a:rPr lang="en-US" altLang="zh-TW" dirty="0" err="1" smtClean="0"/>
+              <a:t>ubuntu</a:t>
+            </a:r>
+            <a:r>
+              <a:rPr lang="en-US" altLang="zh-TW" dirty="0" smtClean="0"/>
+              <a:t> 14.10 64bit)</a:t>
+            </a:r>
+            <a:endParaRPr lang="zh-TW" altLang="en-US" dirty="0"/>
+          </a:p>
+        </p:txBody>
+      </p:sp>
+      <p:sp>
+        <p:nvSpPr>
+          <p:cNvPr id="3" name="內容版面配置區 2"/>
+          <p:cNvSpPr>
+            <a:spLocks noGrp="1"/>
+          </p:cNvSpPr>
+          <p:nvPr>
+            <p:ph idx="1"/>
+          </p:nvPr>
+        </p:nvSpPr>
+        <p:spPr/>
+        <p:txBody>
+          <a:bodyPr/>
+          <a:lstStyle/>
+          <a:p>
+            <a:pPr>
+              <a:buNone/>
+            </a:pPr>
+            <a:r>
+              <a:rPr lang="en-US" altLang="zh-TW" dirty="0" err="1" smtClean="0"/>
+              <a:t>sudo</a:t>
+            </a:r>
+            <a:r>
+              <a:rPr lang="en-US" altLang="zh-TW" dirty="0" smtClean="0"/>
+              <a:t> apt-get update</a:t>
+            </a:r>
+          </a:p>
+          <a:p>
+            <a:pPr>
+              <a:buNone/>
+            </a:pPr>
+            <a:r>
+              <a:rPr lang="en-US" altLang="zh-TW" dirty="0" err="1" smtClean="0"/>
+              <a:t>sudo</a:t>
+            </a:r>
+            <a:r>
+              <a:rPr lang="en-US" altLang="zh-TW" dirty="0" smtClean="0"/>
+              <a:t> apt-get -y install docker.io</a:t>
+            </a:r>
+          </a:p>
+          <a:p>
+            <a:pPr>
+              <a:buNone/>
+            </a:pPr>
+            <a:r>
+              <a:rPr lang="en-US" altLang="zh-TW" dirty="0" err="1" smtClean="0"/>
+              <a:t>sudo</a:t>
+            </a:r>
+            <a:r>
+              <a:rPr lang="en-US" altLang="zh-TW" dirty="0" smtClean="0"/>
+              <a:t> </a:t>
+            </a:r>
+            <a:r>
+              <a:rPr lang="en-US" altLang="zh-TW" dirty="0" err="1" smtClean="0"/>
+              <a:t>docker</a:t>
+            </a:r>
+            <a:r>
+              <a:rPr lang="en-US" altLang="zh-TW" dirty="0" smtClean="0"/>
+              <a:t> info</a:t>
+            </a:r>
+          </a:p>
+          <a:p>
+            <a:pPr>
+              <a:buNone/>
+            </a:pPr>
+            <a:r>
+              <a:rPr lang="en-US" altLang="zh-TW" dirty="0" err="1" smtClean="0"/>
+              <a:t>sudo</a:t>
+            </a:r>
+            <a:r>
+              <a:rPr lang="en-US" altLang="zh-TW" dirty="0" smtClean="0"/>
+              <a:t> </a:t>
+            </a:r>
+            <a:r>
+              <a:rPr lang="en-US" altLang="zh-TW" dirty="0" err="1" smtClean="0"/>
+              <a:t>docker</a:t>
+            </a:r>
+            <a:r>
+              <a:rPr lang="en-US" altLang="zh-TW" dirty="0" smtClean="0"/>
+              <a:t> login </a:t>
+            </a:r>
+          </a:p>
+        </p:txBody>
+      </p:sp>
+    </p:spTree>
+  </p:cSld>
+  <p:clrMapOvr>
+    <a:masterClrMapping/>
+  </p:clrMapOvr>
+  <p:timing>
+    <p:tnLst>
+      <p:par>
+        <p:cTn id="1" dur="indefinite" restart="never" nodeType="tmRoot"/>
+      </p:par>
+    </p:tnLst>
+  </p:timing>
+</p:sld>
+</file>
+
+<file path=ppt/slides/slide13.xml><?xml version="1.0" encoding="utf-8"?>
+<p:sld xmlns:a="http://schemas.openxmlformats.org/drawingml/2006/main" xmlns:r="http://schemas.openxmlformats.org/officeDocument/2006/relationships" xmlns:p="http://schemas.openxmlformats.org/presentationml/2006/main">
+  <p:cSld>
+    <p:spTree>
+      <p:nvGrpSpPr>
+        <p:cNvPr id="1" name=""/>
+        <p:cNvGrpSpPr/>
+        <p:nvPr/>
+      </p:nvGrpSpPr>
+      <p:grpSpPr>
+        <a:xfrm>
+          <a:off x="0" y="0"/>
+          <a:ext cx="0" cy="0"/>
+          <a:chOff x="0" y="0"/>
+          <a:chExt cx="0" cy="0"/>
+        </a:xfrm>
+      </p:grpSpPr>
+      <p:sp>
+        <p:nvSpPr>
+          <p:cNvPr id="2" name="標題 1"/>
+          <p:cNvSpPr>
+            <a:spLocks noGrp="1"/>
+          </p:cNvSpPr>
+          <p:nvPr>
+            <p:ph type="title"/>
+          </p:nvPr>
+        </p:nvSpPr>
+        <p:spPr>
+          <a:xfrm>
+            <a:off x="179512" y="274638"/>
+            <a:ext cx="8784976" cy="1143000"/>
+          </a:xfrm>
+        </p:spPr>
+        <p:txBody>
+          <a:bodyPr>
+            <a:normAutofit fontScale="90000"/>
+          </a:bodyPr>
+          <a:lstStyle/>
+          <a:p>
+            <a:r>
+              <a:rPr lang="en-US" altLang="zh-TW" dirty="0" smtClean="0"/>
+              <a:t>Get started </a:t>
+            </a:r>
+            <a:r>
+              <a:rPr lang="en-US" altLang="zh-TW" dirty="0" err="1" smtClean="0"/>
+              <a:t>ubuntu</a:t>
+            </a:r>
+            <a:r>
+              <a:rPr lang="en-US" altLang="zh-TW" dirty="0" smtClean="0"/>
+              <a:t> </a:t>
+            </a:r>
+            <a:r>
+              <a:rPr lang="en-US" altLang="zh-TW" dirty="0" smtClean="0"/>
+              <a:t>container with </a:t>
+            </a:r>
+            <a:r>
+              <a:rPr lang="en-US" altLang="zh-TW" dirty="0" smtClean="0"/>
+              <a:t>date</a:t>
+            </a:r>
+            <a:endParaRPr lang="zh-TW" altLang="en-US" dirty="0"/>
+          </a:p>
+        </p:txBody>
+      </p:sp>
+      <p:sp>
+        <p:nvSpPr>
+          <p:cNvPr id="3" name="內容版面配置區 2"/>
+          <p:cNvSpPr>
+            <a:spLocks noGrp="1"/>
+          </p:cNvSpPr>
+          <p:nvPr>
+            <p:ph idx="1"/>
+          </p:nvPr>
+        </p:nvSpPr>
+        <p:spPr/>
+        <p:txBody>
+          <a:bodyPr/>
+          <a:lstStyle/>
+          <a:p>
+            <a:pPr>
+              <a:buNone/>
+            </a:pPr>
+            <a:r>
+              <a:rPr lang="en-US" altLang="zh-TW" dirty="0" err="1" smtClean="0"/>
+              <a:t>s</a:t>
+            </a:r>
+            <a:r>
+              <a:rPr lang="en-US" altLang="zh-TW" dirty="0" err="1" smtClean="0"/>
+              <a:t>udo</a:t>
+            </a:r>
+            <a:r>
+              <a:rPr lang="en-US" altLang="zh-TW" dirty="0" smtClean="0"/>
+              <a:t> </a:t>
+            </a:r>
+            <a:r>
+              <a:rPr lang="en-US" altLang="zh-TW" dirty="0" err="1" smtClean="0"/>
+              <a:t>docker</a:t>
+            </a:r>
+            <a:r>
+              <a:rPr lang="en-US" altLang="zh-TW" dirty="0" smtClean="0"/>
+              <a:t> </a:t>
+            </a:r>
+            <a:r>
+              <a:rPr lang="en-US" altLang="zh-TW" dirty="0" smtClean="0"/>
+              <a:t>search </a:t>
+            </a:r>
+            <a:r>
+              <a:rPr lang="en-US" altLang="zh-TW" dirty="0" err="1" smtClean="0"/>
+              <a:t>ubuntu</a:t>
+            </a:r>
+            <a:endParaRPr lang="en-US" altLang="zh-TW" dirty="0" smtClean="0"/>
+          </a:p>
+          <a:p>
+            <a:pPr>
+              <a:buNone/>
+            </a:pPr>
+            <a:r>
+              <a:rPr lang="en-US" altLang="zh-TW" dirty="0" err="1" smtClean="0"/>
+              <a:t>s</a:t>
+            </a:r>
+            <a:r>
+              <a:rPr lang="en-US" altLang="zh-TW" dirty="0" err="1" smtClean="0"/>
+              <a:t>udo</a:t>
+            </a:r>
+            <a:r>
+              <a:rPr lang="en-US" altLang="zh-TW" dirty="0" smtClean="0"/>
+              <a:t> </a:t>
+            </a:r>
+            <a:r>
+              <a:rPr lang="en-US" altLang="zh-TW" dirty="0" err="1" smtClean="0"/>
+              <a:t>docker</a:t>
+            </a:r>
+            <a:r>
+              <a:rPr lang="en-US" altLang="zh-TW" dirty="0" smtClean="0"/>
+              <a:t> </a:t>
+            </a:r>
+            <a:r>
+              <a:rPr lang="en-US" altLang="zh-TW" dirty="0" smtClean="0"/>
+              <a:t>run </a:t>
+            </a:r>
+            <a:r>
+              <a:rPr lang="en-US" altLang="zh-TW" dirty="0" err="1" smtClean="0"/>
+              <a:t>ubuntu</a:t>
+            </a:r>
+            <a:r>
+              <a:rPr lang="en-US" altLang="zh-TW" dirty="0" smtClean="0"/>
+              <a:t>  /bin/date</a:t>
+            </a:r>
+            <a:endParaRPr lang="zh-TW" altLang="en-US" dirty="0"/>
+          </a:p>
+        </p:txBody>
+      </p:sp>
+      <p:pic>
+        <p:nvPicPr>
+          <p:cNvPr id="1026" name="Picture 2"/>
+          <p:cNvPicPr>
+            <a:picLocks noChangeAspect="1" noChangeArrowheads="1"/>
+          </p:cNvPicPr>
+          <p:nvPr/>
+        </p:nvPicPr>
+        <p:blipFill>
+          <a:blip r:embed="rId2" cstate="print"/>
+          <a:srcRect t="78387" r="59394"/>
+          <a:stretch>
+            <a:fillRect/>
+          </a:stretch>
+        </p:blipFill>
+        <p:spPr bwMode="auto">
+          <a:xfrm>
+            <a:off x="0" y="3284984"/>
+            <a:ext cx="9144000" cy="2736304"/>
+          </a:xfrm>
+          <a:prstGeom prst="rect">
+            <a:avLst/>
+          </a:prstGeom>
+          <a:noFill/>
+          <a:ln w="9525">
+            <a:noFill/>
+            <a:miter lim="800000"/>
+            <a:headEnd/>
+            <a:tailEnd/>
+          </a:ln>
+        </p:spPr>
+      </p:pic>
+    </p:spTree>
+  </p:cSld>
+  <p:clrMapOvr>
+    <a:masterClrMapping/>
+  </p:clrMapOvr>
+</p:sld>
+</file>
+
+<file path=ppt/slides/slide14.xml><?xml version="1.0" encoding="utf-8"?>
+<p:sld xmlns:a="http://schemas.openxmlformats.org/drawingml/2006/main" xmlns:r="http://schemas.openxmlformats.org/officeDocument/2006/relationships" xmlns:p="http://schemas.openxmlformats.org/presentationml/2006/main">
+  <p:cSld>
+    <p:spTree>
+      <p:nvGrpSpPr>
+        <p:cNvPr id="1" name=""/>
+        <p:cNvGrpSpPr/>
+        <p:nvPr/>
+      </p:nvGrpSpPr>
+      <p:grpSpPr>
+        <a:xfrm>
+          <a:off x="0" y="0"/>
+          <a:ext cx="0" cy="0"/>
+          <a:chOff x="0" y="0"/>
+          <a:chExt cx="0" cy="0"/>
+        </a:xfrm>
+      </p:grpSpPr>
+      <p:sp>
+        <p:nvSpPr>
+          <p:cNvPr id="2" name="標題 1"/>
+          <p:cNvSpPr>
+            <a:spLocks noGrp="1"/>
+          </p:cNvSpPr>
+          <p:nvPr>
+            <p:ph type="title"/>
+          </p:nvPr>
+        </p:nvSpPr>
+        <p:spPr>
+          <a:xfrm>
+            <a:off x="251520" y="274638"/>
+            <a:ext cx="8712968" cy="1143000"/>
+          </a:xfrm>
+        </p:spPr>
+        <p:txBody>
+          <a:bodyPr>
+            <a:normAutofit fontScale="90000"/>
+          </a:bodyPr>
+          <a:lstStyle/>
+          <a:p>
+            <a:r>
+              <a:rPr lang="en-US" altLang="zh-TW" dirty="0" smtClean="0"/>
+              <a:t>Interactive command line with container</a:t>
+            </a:r>
+            <a:endParaRPr lang="zh-TW" altLang="en-US" dirty="0"/>
+          </a:p>
+        </p:txBody>
+      </p:sp>
+      <p:sp>
+        <p:nvSpPr>
+          <p:cNvPr id="3" name="內容版面配置區 2"/>
+          <p:cNvSpPr>
+            <a:spLocks noGrp="1"/>
+          </p:cNvSpPr>
+          <p:nvPr>
+            <p:ph idx="1"/>
+          </p:nvPr>
+        </p:nvSpPr>
+        <p:spPr/>
+        <p:txBody>
+          <a:bodyPr/>
+          <a:lstStyle/>
+          <a:p>
+            <a:pPr>
+              <a:buNone/>
+            </a:pPr>
+            <a:r>
+              <a:rPr lang="sv-SE" altLang="zh-TW" dirty="0" smtClean="0"/>
+              <a:t>docker </a:t>
+            </a:r>
+            <a:r>
+              <a:rPr lang="sv-SE" altLang="zh-TW" dirty="0" smtClean="0"/>
+              <a:t>run -t -i ubuntu </a:t>
+            </a:r>
+            <a:r>
+              <a:rPr lang="sv-SE" altLang="zh-TW" dirty="0" smtClean="0"/>
+              <a:t>bash</a:t>
+            </a:r>
+          </a:p>
+          <a:p>
+            <a:pPr>
+              <a:buNone/>
+            </a:pPr>
+            <a:r>
+              <a:rPr lang="sv-SE" altLang="zh-TW" dirty="0" smtClean="0"/>
+              <a:t>exit</a:t>
+            </a:r>
+          </a:p>
+          <a:p>
+            <a:pPr>
+              <a:buNone/>
+            </a:pPr>
+            <a:endParaRPr lang="sv-SE" altLang="zh-TW" dirty="0" smtClean="0"/>
+          </a:p>
+          <a:p>
+            <a:endParaRPr lang="zh-TW" altLang="en-US" dirty="0"/>
+          </a:p>
+        </p:txBody>
+      </p:sp>
+      <p:pic>
+        <p:nvPicPr>
+          <p:cNvPr id="2050" name="Picture 2"/>
+          <p:cNvPicPr>
+            <a:picLocks noChangeAspect="1" noChangeArrowheads="1"/>
+          </p:cNvPicPr>
+          <p:nvPr/>
+        </p:nvPicPr>
+        <p:blipFill>
+          <a:blip r:embed="rId2" cstate="print"/>
+          <a:srcRect/>
+          <a:stretch>
+            <a:fillRect/>
+          </a:stretch>
+        </p:blipFill>
+        <p:spPr bwMode="auto">
+          <a:xfrm>
+            <a:off x="179512" y="3212976"/>
+            <a:ext cx="8716509" cy="1872208"/>
+          </a:xfrm>
+          <a:prstGeom prst="rect">
+            <a:avLst/>
+          </a:prstGeom>
+          <a:noFill/>
+          <a:ln w="9525">
+            <a:solidFill>
+              <a:schemeClr val="accent1"/>
+            </a:solidFill>
+            <a:miter lim="800000"/>
+            <a:headEnd/>
+            <a:tailEnd/>
+          </a:ln>
+        </p:spPr>
+      </p:pic>
+      <p:cxnSp>
+        <p:nvCxnSpPr>
+          <p:cNvPr id="8" name="直線單箭頭接點 7"/>
+          <p:cNvCxnSpPr/>
+          <p:nvPr/>
+        </p:nvCxnSpPr>
+        <p:spPr>
+          <a:xfrm flipH="1" flipV="1">
+            <a:off x="1187624" y="4797152"/>
+            <a:ext cx="576064" cy="576064"/>
+          </a:xfrm>
+          <a:prstGeom prst="straightConnector1">
+            <a:avLst/>
+          </a:prstGeom>
+          <a:ln>
+            <a:solidFill>
+              <a:srgbClr val="FF0000"/>
+            </a:solidFill>
+            <a:tailEnd type="arrow"/>
+          </a:ln>
+        </p:spPr>
+        <p:style>
+          <a:lnRef idx="2">
+            <a:schemeClr val="accent1"/>
+          </a:lnRef>
+          <a:fillRef idx="0">
+            <a:schemeClr val="accent1"/>
+          </a:fillRef>
+          <a:effectRef idx="1">
+            <a:schemeClr val="accent1"/>
+          </a:effectRef>
+          <a:fontRef idx="minor">
+            <a:schemeClr val="tx1"/>
+          </a:fontRef>
+        </p:style>
+      </p:cxnSp>
+      <p:sp>
+        <p:nvSpPr>
+          <p:cNvPr id="9" name="矩形 8"/>
+          <p:cNvSpPr/>
+          <p:nvPr/>
+        </p:nvSpPr>
+        <p:spPr>
+          <a:xfrm>
+            <a:off x="1691680" y="5301208"/>
+            <a:ext cx="1944216" cy="369332"/>
+          </a:xfrm>
+          <a:prstGeom prst="rect">
+            <a:avLst/>
+          </a:prstGeom>
+        </p:spPr>
+        <p:txBody>
+          <a:bodyPr wrap="square">
+            <a:spAutoFit/>
+          </a:bodyPr>
+          <a:lstStyle/>
+          <a:p>
+            <a:r>
+              <a:rPr lang="en-US" altLang="zh-TW" dirty="0" smtClean="0"/>
+              <a:t>Container ID</a:t>
+            </a:r>
+            <a:endParaRPr lang="zh-TW" altLang="en-US" dirty="0"/>
+          </a:p>
+        </p:txBody>
+      </p:sp>
+    </p:spTree>
+  </p:cSld>
+  <p:clrMapOvr>
+    <a:masterClrMapping/>
+  </p:clrMapOvr>
+  <p:timing>
+    <p:tnLst>
+      <p:par>
+        <p:cTn id="1" dur="indefinite" restart="never" nodeType="tmRoot"/>
+      </p:par>
+    </p:tnLst>
+  </p:timing>
+</p:sld>
+</file>
+
+<file path=ppt/slides/slide15.xml><?xml version="1.0" encoding="utf-8"?>
+<p:sld xmlns:a="http://schemas.openxmlformats.org/drawingml/2006/main" xmlns:r="http://schemas.openxmlformats.org/officeDocument/2006/relationships" xmlns:p="http://schemas.openxmlformats.org/presentationml/2006/main">
+  <p:cSld>
+    <p:spTree>
+      <p:nvGrpSpPr>
+        <p:cNvPr id="1" name=""/>
+        <p:cNvGrpSpPr/>
+        <p:nvPr/>
+      </p:nvGrpSpPr>
+      <p:grpSpPr>
+        <a:xfrm>
+          <a:off x="0" y="0"/>
+          <a:ext cx="0" cy="0"/>
+          <a:chOff x="0" y="0"/>
+          <a:chExt cx="0" cy="0"/>
+        </a:xfrm>
+      </p:grpSpPr>
+      <p:sp>
+        <p:nvSpPr>
+          <p:cNvPr id="2" name="標題 1"/>
+          <p:cNvSpPr>
+            <a:spLocks noGrp="1"/>
+          </p:cNvSpPr>
+          <p:nvPr>
+            <p:ph type="title"/>
+          </p:nvPr>
+        </p:nvSpPr>
+        <p:spPr/>
+        <p:txBody>
+          <a:bodyPr/>
+          <a:lstStyle/>
+          <a:p>
+            <a:r>
+              <a:rPr lang="en-US" altLang="zh-TW" dirty="0" smtClean="0"/>
+              <a:t>Container List</a:t>
+            </a:r>
+            <a:endParaRPr lang="zh-TW" altLang="en-US" dirty="0"/>
+          </a:p>
+        </p:txBody>
+      </p:sp>
+      <p:sp>
+        <p:nvSpPr>
+          <p:cNvPr id="3" name="內容版面配置區 2"/>
+          <p:cNvSpPr>
+            <a:spLocks noGrp="1"/>
+          </p:cNvSpPr>
+          <p:nvPr>
+            <p:ph idx="1"/>
+          </p:nvPr>
+        </p:nvSpPr>
+        <p:spPr/>
+        <p:txBody>
+          <a:bodyPr/>
+          <a:lstStyle/>
+          <a:p>
+            <a:pPr>
+              <a:buNone/>
+            </a:pPr>
+            <a:r>
+              <a:rPr lang="en-US" altLang="zh-TW" dirty="0" err="1" smtClean="0"/>
+              <a:t>docker</a:t>
+            </a:r>
+            <a:r>
+              <a:rPr lang="en-US" altLang="zh-TW" dirty="0" smtClean="0"/>
+              <a:t> </a:t>
+            </a:r>
+            <a:r>
+              <a:rPr lang="en-US" altLang="zh-TW" dirty="0" err="1" smtClean="0"/>
+              <a:t>ps</a:t>
+            </a:r>
+            <a:r>
+              <a:rPr lang="en-US" altLang="zh-TW" dirty="0" smtClean="0"/>
+              <a:t> </a:t>
+            </a:r>
+            <a:r>
+              <a:rPr lang="en-US" altLang="zh-TW" dirty="0" smtClean="0"/>
+              <a:t>--help</a:t>
+            </a:r>
+          </a:p>
+          <a:p>
+            <a:pPr>
+              <a:buNone/>
+            </a:pPr>
+            <a:r>
+              <a:rPr lang="en-US" altLang="zh-TW" dirty="0" err="1" smtClean="0"/>
+              <a:t>docker</a:t>
+            </a:r>
+            <a:r>
+              <a:rPr lang="en-US" altLang="zh-TW" dirty="0" smtClean="0"/>
+              <a:t> </a:t>
+            </a:r>
+            <a:r>
+              <a:rPr lang="en-US" altLang="zh-TW" dirty="0" err="1" smtClean="0"/>
+              <a:t>ps</a:t>
+            </a:r>
+            <a:r>
+              <a:rPr lang="en-US" altLang="zh-TW" dirty="0" smtClean="0"/>
+              <a:t> -a -q</a:t>
+            </a:r>
+            <a:endParaRPr lang="zh-TW" altLang="en-US" dirty="0"/>
+          </a:p>
+        </p:txBody>
+      </p:sp>
+      <p:pic>
+        <p:nvPicPr>
+          <p:cNvPr id="3074" name="Picture 2"/>
+          <p:cNvPicPr>
+            <a:picLocks noChangeAspect="1" noChangeArrowheads="1"/>
+          </p:cNvPicPr>
+          <p:nvPr/>
+        </p:nvPicPr>
+        <p:blipFill>
+          <a:blip r:embed="rId2" cstate="print"/>
+          <a:srcRect/>
+          <a:stretch>
+            <a:fillRect/>
+          </a:stretch>
+        </p:blipFill>
+        <p:spPr bwMode="auto">
+          <a:xfrm>
+            <a:off x="0" y="3068960"/>
+            <a:ext cx="17620781" cy="1440160"/>
+          </a:xfrm>
+          <a:prstGeom prst="rect">
+            <a:avLst/>
+          </a:prstGeom>
+          <a:noFill/>
+          <a:ln w="9525">
+            <a:noFill/>
+            <a:miter lim="800000"/>
+            <a:headEnd/>
+            <a:tailEnd/>
+          </a:ln>
+        </p:spPr>
+      </p:pic>
+    </p:spTree>
+  </p:cSld>
+  <p:clrMapOvr>
+    <a:masterClrMapping/>
+  </p:clrMapOvr>
+  <p:timing>
+    <p:tnLst>
+      <p:par>
+        <p:cTn id="1" dur="indefinite" restart="never" nodeType="tmRoot"/>
+      </p:par>
+    </p:tnLst>
+  </p:timing>
+</p:sld>
+</file>
+
+<file path=ppt/slides/slide16.xml><?xml version="1.0" encoding="utf-8"?>
+<p:sld xmlns:a="http://schemas.openxmlformats.org/drawingml/2006/main" xmlns:r="http://schemas.openxmlformats.org/officeDocument/2006/relationships" xmlns:p="http://schemas.openxmlformats.org/presentationml/2006/main">
+  <p:cSld>
+    <p:spTree>
+      <p:nvGrpSpPr>
+        <p:cNvPr id="1" name=""/>
+        <p:cNvGrpSpPr/>
+        <p:nvPr/>
+      </p:nvGrpSpPr>
+      <p:grpSpPr>
+        <a:xfrm>
+          <a:off x="0" y="0"/>
+          <a:ext cx="0" cy="0"/>
+          <a:chOff x="0" y="0"/>
+          <a:chExt cx="0" cy="0"/>
+        </a:xfrm>
+      </p:grpSpPr>
+      <p:sp>
+        <p:nvSpPr>
+          <p:cNvPr id="2" name="標題 1"/>
+          <p:cNvSpPr>
+            <a:spLocks noGrp="1"/>
+          </p:cNvSpPr>
+          <p:nvPr>
+            <p:ph type="title"/>
+          </p:nvPr>
+        </p:nvSpPr>
+        <p:spPr/>
+        <p:txBody>
+          <a:bodyPr/>
+          <a:lstStyle/>
+          <a:p>
+            <a:r>
+              <a:rPr lang="en-US" altLang="zh-TW" dirty="0" smtClean="0"/>
+              <a:t>Shut down Container </a:t>
+            </a:r>
+            <a:endParaRPr lang="zh-TW" altLang="en-US" dirty="0"/>
+          </a:p>
+        </p:txBody>
+      </p:sp>
+      <p:sp>
+        <p:nvSpPr>
+          <p:cNvPr id="3" name="內容版面配置區 2"/>
+          <p:cNvSpPr>
+            <a:spLocks noGrp="1"/>
+          </p:cNvSpPr>
+          <p:nvPr>
+            <p:ph idx="1"/>
+          </p:nvPr>
+        </p:nvSpPr>
+        <p:spPr/>
+        <p:txBody>
+          <a:bodyPr/>
+          <a:lstStyle/>
+          <a:p>
+            <a:pPr>
+              <a:buNone/>
+            </a:pPr>
+            <a:r>
+              <a:rPr lang="sv-SE" altLang="zh-TW" dirty="0" smtClean="0"/>
+              <a:t>d</a:t>
+            </a:r>
+            <a:r>
+              <a:rPr lang="sv-SE" altLang="zh-TW" dirty="0" smtClean="0"/>
+              <a:t>ocker ps # list</a:t>
+            </a:r>
+          </a:p>
+          <a:p>
+            <a:pPr>
+              <a:buNone/>
+            </a:pPr>
+            <a:r>
+              <a:rPr lang="en-US" altLang="zh-TW" dirty="0" err="1" smtClean="0"/>
+              <a:t>docker</a:t>
+            </a:r>
+            <a:r>
+              <a:rPr lang="en-US" altLang="zh-TW" dirty="0" smtClean="0"/>
+              <a:t> </a:t>
+            </a:r>
+            <a:r>
+              <a:rPr lang="en-US" altLang="zh-TW" dirty="0" smtClean="0"/>
+              <a:t>start abab6aa5a2de</a:t>
+            </a:r>
+          </a:p>
+          <a:p>
+            <a:pPr>
+              <a:buNone/>
+            </a:pPr>
+            <a:r>
+              <a:rPr lang="en-US" altLang="zh-TW" dirty="0" err="1" smtClean="0"/>
+              <a:t>docker</a:t>
+            </a:r>
+            <a:r>
+              <a:rPr lang="en-US" altLang="zh-TW" dirty="0" smtClean="0"/>
+              <a:t> </a:t>
+            </a:r>
+            <a:r>
+              <a:rPr lang="en-US" altLang="zh-TW" dirty="0" smtClean="0"/>
+              <a:t>stop </a:t>
+            </a:r>
+            <a:r>
+              <a:rPr lang="en-US" altLang="zh-TW" dirty="0" smtClean="0"/>
+              <a:t>abab6aa5a2de</a:t>
+            </a:r>
+            <a:endParaRPr lang="sv-SE" altLang="zh-TW" dirty="0" smtClean="0"/>
+          </a:p>
+          <a:p>
+            <a:pPr>
+              <a:buNone/>
+            </a:pPr>
+            <a:r>
+              <a:rPr lang="en-US" altLang="zh-TW" dirty="0" err="1" smtClean="0"/>
+              <a:t>docker</a:t>
+            </a:r>
+            <a:r>
+              <a:rPr lang="en-US" altLang="zh-TW" dirty="0" smtClean="0"/>
+              <a:t> </a:t>
+            </a:r>
+            <a:r>
+              <a:rPr lang="en-US" altLang="zh-TW" dirty="0" err="1" smtClean="0"/>
+              <a:t>rm</a:t>
+            </a:r>
+            <a:r>
+              <a:rPr lang="en-US" altLang="zh-TW" dirty="0" smtClean="0"/>
+              <a:t> abab6aa5a2de</a:t>
+            </a:r>
+          </a:p>
+          <a:p>
+            <a:pPr>
+              <a:buNone/>
+            </a:pPr>
+            <a:r>
+              <a:rPr lang="en-US" altLang="zh-TW" dirty="0" err="1" smtClean="0"/>
+              <a:t>docker</a:t>
+            </a:r>
+            <a:r>
+              <a:rPr lang="en-US" altLang="zh-TW" dirty="0" smtClean="0"/>
+              <a:t> </a:t>
+            </a:r>
+            <a:r>
+              <a:rPr lang="en-US" altLang="zh-TW" dirty="0" err="1" smtClean="0"/>
+              <a:t>ps</a:t>
+            </a:r>
+            <a:r>
+              <a:rPr lang="en-US" altLang="zh-TW" dirty="0" smtClean="0"/>
+              <a:t> -a</a:t>
+            </a:r>
+            <a:endParaRPr lang="sv-SE" altLang="zh-TW" dirty="0" smtClean="0"/>
+          </a:p>
+        </p:txBody>
+      </p:sp>
+    </p:spTree>
+  </p:cSld>
+  <p:clrMapOvr>
+    <a:masterClrMapping/>
+  </p:clrMapOvr>
+</p:sld>
+</file>
+
+<file path=ppt/slides/slide17.xml><?xml version="1.0" encoding="utf-8"?>
+<p:sld xmlns:a="http://schemas.openxmlformats.org/drawingml/2006/main" xmlns:r="http://schemas.openxmlformats.org/officeDocument/2006/relationships" xmlns:p="http://schemas.openxmlformats.org/presentationml/2006/main">
+  <p:cSld>
+    <p:spTree>
+      <p:nvGrpSpPr>
+        <p:cNvPr id="1" name=""/>
+        <p:cNvGrpSpPr/>
+        <p:nvPr/>
+      </p:nvGrpSpPr>
+      <p:grpSpPr>
+        <a:xfrm>
+          <a:off x="0" y="0"/>
+          <a:ext cx="0" cy="0"/>
+          <a:chOff x="0" y="0"/>
+          <a:chExt cx="0" cy="0"/>
+        </a:xfrm>
+      </p:grpSpPr>
+      <p:sp>
+        <p:nvSpPr>
+          <p:cNvPr id="2" name="標題 1"/>
+          <p:cNvSpPr>
+            <a:spLocks noGrp="1"/>
+          </p:cNvSpPr>
+          <p:nvPr>
+            <p:ph type="title"/>
+          </p:nvPr>
+        </p:nvSpPr>
+        <p:spPr/>
+        <p:txBody>
+          <a:bodyPr/>
+          <a:lstStyle/>
+          <a:p>
+            <a:r>
+              <a:rPr lang="en-US" altLang="zh-TW" dirty="0" smtClean="0"/>
+              <a:t>Management</a:t>
+            </a:r>
+            <a:r>
+              <a:rPr lang="zh-TW" altLang="en-US" b="1" dirty="0" smtClean="0"/>
+              <a:t> </a:t>
+            </a:r>
+            <a:r>
+              <a:rPr lang="en-US" altLang="zh-TW" dirty="0" err="1" smtClean="0"/>
+              <a:t>Docker</a:t>
+            </a:r>
+            <a:r>
+              <a:rPr lang="en-US" altLang="zh-TW" dirty="0" smtClean="0"/>
+              <a:t> </a:t>
+            </a:r>
+            <a:r>
+              <a:rPr lang="en-US" altLang="zh-TW" dirty="0" smtClean="0"/>
+              <a:t>Image</a:t>
+            </a:r>
+            <a:endParaRPr lang="zh-TW" altLang="en-US" dirty="0" smtClean="0"/>
+          </a:p>
+        </p:txBody>
+      </p:sp>
+      <p:sp>
+        <p:nvSpPr>
+          <p:cNvPr id="3" name="內容版面配置區 2"/>
+          <p:cNvSpPr>
+            <a:spLocks noGrp="1"/>
+          </p:cNvSpPr>
+          <p:nvPr>
+            <p:ph idx="1"/>
+          </p:nvPr>
+        </p:nvSpPr>
+        <p:spPr/>
+        <p:txBody>
+          <a:bodyPr/>
+          <a:lstStyle/>
+          <a:p>
+            <a:pPr>
+              <a:buNone/>
+            </a:pPr>
+            <a:r>
+              <a:rPr lang="en-US" altLang="zh-TW" dirty="0" err="1" smtClean="0"/>
+              <a:t>docker</a:t>
+            </a:r>
+            <a:r>
+              <a:rPr lang="en-US" altLang="zh-TW" dirty="0" smtClean="0"/>
+              <a:t> images</a:t>
+            </a:r>
+          </a:p>
+          <a:p>
+            <a:pPr>
+              <a:buNone/>
+            </a:pPr>
+            <a:endParaRPr lang="en-US" altLang="zh-TW" dirty="0" smtClean="0"/>
+          </a:p>
+          <a:p>
+            <a:pPr>
+              <a:buNone/>
+            </a:pPr>
+            <a:endParaRPr lang="en-US" altLang="zh-TW" dirty="0" smtClean="0"/>
+          </a:p>
+        </p:txBody>
+      </p:sp>
+      <p:pic>
+        <p:nvPicPr>
+          <p:cNvPr id="4098" name="Picture 2"/>
+          <p:cNvPicPr>
+            <a:picLocks noChangeAspect="1" noChangeArrowheads="1"/>
+          </p:cNvPicPr>
+          <p:nvPr/>
+        </p:nvPicPr>
+        <p:blipFill>
+          <a:blip r:embed="rId2" cstate="print"/>
+          <a:srcRect/>
+          <a:stretch>
+            <a:fillRect/>
+          </a:stretch>
+        </p:blipFill>
+        <p:spPr bwMode="auto">
+          <a:xfrm>
+            <a:off x="0" y="2348880"/>
+            <a:ext cx="9144000" cy="767712"/>
+          </a:xfrm>
+          <a:prstGeom prst="rect">
+            <a:avLst/>
+          </a:prstGeom>
+          <a:noFill/>
+          <a:ln w="9525">
+            <a:noFill/>
+            <a:miter lim="800000"/>
+            <a:headEnd/>
+            <a:tailEnd/>
+          </a:ln>
+        </p:spPr>
+      </p:pic>
+    </p:spTree>
+  </p:cSld>
+  <p:clrMapOvr>
+    <a:masterClrMapping/>
+  </p:clrMapOvr>
+</p:sld>
+</file>
+
+<file path=ppt/slides/slide18.xml><?xml version="1.0" encoding="utf-8"?>
+<p:sld xmlns:a="http://schemas.openxmlformats.org/drawingml/2006/main" xmlns:r="http://schemas.openxmlformats.org/officeDocument/2006/relationships" xmlns:p="http://schemas.openxmlformats.org/presentationml/2006/main">
+  <p:cSld>
+    <p:spTree>
+      <p:nvGrpSpPr>
+        <p:cNvPr id="1" name=""/>
+        <p:cNvGrpSpPr/>
+        <p:nvPr/>
+      </p:nvGrpSpPr>
+      <p:grpSpPr>
+        <a:xfrm>
+          <a:off x="0" y="0"/>
+          <a:ext cx="0" cy="0"/>
+          <a:chOff x="0" y="0"/>
+          <a:chExt cx="0" cy="0"/>
+        </a:xfrm>
+      </p:grpSpPr>
+      <p:sp>
+        <p:nvSpPr>
+          <p:cNvPr id="2" name="標題 1"/>
+          <p:cNvSpPr>
+            <a:spLocks noGrp="1"/>
+          </p:cNvSpPr>
+          <p:nvPr>
+            <p:ph type="title"/>
+          </p:nvPr>
+        </p:nvSpPr>
+        <p:spPr/>
+        <p:txBody>
+          <a:bodyPr>
+            <a:normAutofit/>
+          </a:bodyPr>
+          <a:lstStyle/>
+          <a:p>
+            <a:r>
+              <a:rPr lang="en-US" altLang="zh-TW" dirty="0" err="1" smtClean="0"/>
+              <a:t>docker</a:t>
+            </a:r>
+            <a:r>
+              <a:rPr lang="en-US" altLang="zh-TW" dirty="0" smtClean="0"/>
+              <a:t> pull </a:t>
+            </a:r>
+            <a:endParaRPr lang="zh-TW" altLang="en-US" dirty="0"/>
+          </a:p>
+        </p:txBody>
+      </p:sp>
+      <p:sp>
+        <p:nvSpPr>
+          <p:cNvPr id="3" name="內容版面配置區 2"/>
+          <p:cNvSpPr>
+            <a:spLocks noGrp="1"/>
+          </p:cNvSpPr>
+          <p:nvPr>
+            <p:ph idx="1"/>
+          </p:nvPr>
+        </p:nvSpPr>
+        <p:spPr/>
+        <p:txBody>
+          <a:bodyPr/>
+          <a:lstStyle/>
+          <a:p>
+            <a:pPr>
+              <a:buNone/>
+            </a:pPr>
+            <a:r>
+              <a:rPr lang="en-US" altLang="zh-TW" dirty="0" smtClean="0"/>
+              <a:t># Update Container</a:t>
+            </a:r>
+          </a:p>
+          <a:p>
+            <a:pPr>
+              <a:buNone/>
+            </a:pPr>
+            <a:r>
+              <a:rPr lang="en-US" altLang="zh-TW" dirty="0" err="1" smtClean="0"/>
+              <a:t>docker</a:t>
+            </a:r>
+            <a:r>
+              <a:rPr lang="en-US" altLang="zh-TW" dirty="0" smtClean="0"/>
+              <a:t> </a:t>
+            </a:r>
+            <a:r>
+              <a:rPr lang="en-US" altLang="zh-TW" dirty="0" smtClean="0"/>
+              <a:t>run -t -</a:t>
+            </a:r>
+            <a:r>
+              <a:rPr lang="en-US" altLang="zh-TW" dirty="0" err="1" smtClean="0"/>
+              <a:t>i</a:t>
+            </a:r>
+            <a:r>
+              <a:rPr lang="en-US" altLang="zh-TW" dirty="0" smtClean="0"/>
+              <a:t> </a:t>
+            </a:r>
+            <a:r>
+              <a:rPr lang="en-US" altLang="zh-TW" dirty="0" err="1" smtClean="0"/>
+              <a:t>ubuntu</a:t>
+            </a:r>
+            <a:r>
+              <a:rPr lang="en-US" altLang="zh-TW" dirty="0" smtClean="0"/>
+              <a:t> bash</a:t>
+            </a:r>
+          </a:p>
+          <a:p>
+            <a:pPr>
+              <a:buNone/>
+            </a:pPr>
+            <a:r>
+              <a:rPr lang="en-US" altLang="zh-TW" dirty="0" err="1" smtClean="0"/>
+              <a:t>git</a:t>
+            </a:r>
+            <a:r>
+              <a:rPr lang="en-US" altLang="zh-TW" dirty="0" smtClean="0"/>
+              <a:t> --version</a:t>
+            </a:r>
+            <a:endParaRPr lang="en-US" altLang="zh-TW" dirty="0" smtClean="0"/>
+          </a:p>
+          <a:p>
+            <a:pPr>
+              <a:buNone/>
+            </a:pPr>
+            <a:r>
+              <a:rPr lang="en-US" altLang="zh-TW" dirty="0" smtClean="0"/>
+              <a:t>apt-get update</a:t>
+            </a:r>
+          </a:p>
+          <a:p>
+            <a:pPr>
+              <a:buNone/>
+            </a:pPr>
+            <a:r>
+              <a:rPr lang="en-US" altLang="zh-TW" dirty="0" smtClean="0"/>
+              <a:t>apt-get -y </a:t>
+            </a:r>
+            <a:r>
+              <a:rPr lang="en-US" altLang="zh-TW" dirty="0" smtClean="0"/>
+              <a:t>install </a:t>
+            </a:r>
+            <a:r>
+              <a:rPr lang="en-US" altLang="zh-TW" dirty="0" err="1" smtClean="0"/>
+              <a:t>git</a:t>
+            </a:r>
+            <a:endParaRPr lang="en-US" altLang="zh-TW" dirty="0" smtClean="0"/>
+          </a:p>
+          <a:p>
+            <a:pPr>
+              <a:buNone/>
+            </a:pPr>
+            <a:r>
+              <a:rPr lang="en-US" altLang="zh-TW" dirty="0" err="1" smtClean="0"/>
+              <a:t>git</a:t>
+            </a:r>
+            <a:r>
+              <a:rPr lang="en-US" altLang="zh-TW" dirty="0" smtClean="0"/>
+              <a:t> --version</a:t>
+            </a:r>
+            <a:endParaRPr lang="zh-TW" altLang="en-US" dirty="0"/>
+          </a:p>
+        </p:txBody>
+      </p:sp>
+      <p:pic>
+        <p:nvPicPr>
+          <p:cNvPr id="5122" name="Picture 2"/>
+          <p:cNvPicPr>
+            <a:picLocks noChangeAspect="1" noChangeArrowheads="1"/>
+          </p:cNvPicPr>
+          <p:nvPr/>
+        </p:nvPicPr>
+        <p:blipFill>
+          <a:blip r:embed="rId2" cstate="print"/>
+          <a:srcRect/>
+          <a:stretch>
+            <a:fillRect/>
+          </a:stretch>
+        </p:blipFill>
+        <p:spPr bwMode="auto">
+          <a:xfrm>
+            <a:off x="4181475" y="4581128"/>
+            <a:ext cx="4962525" cy="1552575"/>
+          </a:xfrm>
+          <a:prstGeom prst="rect">
+            <a:avLst/>
+          </a:prstGeom>
+          <a:noFill/>
+          <a:ln w="9525">
+            <a:noFill/>
+            <a:miter lim="800000"/>
+            <a:headEnd/>
+            <a:tailEnd/>
+          </a:ln>
+        </p:spPr>
+      </p:pic>
+    </p:spTree>
+  </p:cSld>
+  <p:clrMapOvr>
+    <a:masterClrMapping/>
+  </p:clrMapOvr>
+</p:sld>
+</file>
+
+<file path=ppt/slides/slide19.xml><?xml version="1.0" encoding="utf-8"?>
+<p:sld xmlns:a="http://schemas.openxmlformats.org/drawingml/2006/main" xmlns:r="http://schemas.openxmlformats.org/officeDocument/2006/relationships" xmlns:p="http://schemas.openxmlformats.org/presentationml/2006/main">
+  <p:cSld>
+    <p:spTree>
+      <p:nvGrpSpPr>
+        <p:cNvPr id="1" name=""/>
+        <p:cNvGrpSpPr/>
+        <p:nvPr/>
+      </p:nvGrpSpPr>
+      <p:grpSpPr>
+        <a:xfrm>
+          <a:off x="0" y="0"/>
+          <a:ext cx="0" cy="0"/>
+          <a:chOff x="0" y="0"/>
+          <a:chExt cx="0" cy="0"/>
+        </a:xfrm>
+      </p:grpSpPr>
+      <p:sp>
+        <p:nvSpPr>
+          <p:cNvPr id="2" name="標題 1"/>
+          <p:cNvSpPr>
+            <a:spLocks noGrp="1"/>
+          </p:cNvSpPr>
+          <p:nvPr>
+            <p:ph type="title"/>
+          </p:nvPr>
+        </p:nvSpPr>
+        <p:spPr/>
+        <p:txBody>
+          <a:bodyPr/>
+          <a:lstStyle/>
+          <a:p>
+            <a:r>
+              <a:rPr lang="en-US" altLang="zh-TW" dirty="0" err="1" smtClean="0"/>
+              <a:t>docker</a:t>
+            </a:r>
+            <a:r>
+              <a:rPr lang="en-US" altLang="zh-TW" dirty="0" smtClean="0"/>
+              <a:t> pull </a:t>
+            </a:r>
+            <a:endParaRPr lang="zh-TW" altLang="en-US" dirty="0"/>
+          </a:p>
+        </p:txBody>
+      </p:sp>
+      <p:sp>
+        <p:nvSpPr>
+          <p:cNvPr id="3" name="內容版面配置區 2"/>
+          <p:cNvSpPr>
+            <a:spLocks noGrp="1"/>
+          </p:cNvSpPr>
+          <p:nvPr>
+            <p:ph idx="1"/>
+          </p:nvPr>
+        </p:nvSpPr>
+        <p:spPr/>
+        <p:txBody>
+          <a:bodyPr/>
+          <a:lstStyle/>
+          <a:p>
+            <a:pPr>
+              <a:buNone/>
+            </a:pPr>
+            <a:r>
+              <a:rPr lang="en-US" altLang="zh-TW" sz="2800" dirty="0" err="1" smtClean="0"/>
+              <a:t>docker</a:t>
+            </a:r>
+            <a:r>
+              <a:rPr lang="en-US" altLang="zh-TW" sz="2800" dirty="0" smtClean="0"/>
+              <a:t> commit -m="Add </a:t>
+            </a:r>
+            <a:r>
+              <a:rPr lang="en-US" altLang="zh-TW" sz="2800" dirty="0" err="1" smtClean="0"/>
+              <a:t>Git</a:t>
+            </a:r>
+            <a:r>
+              <a:rPr lang="en-US" altLang="zh-TW" sz="2800" dirty="0" smtClean="0"/>
+              <a:t>" -a="jerry" b43309356e0c </a:t>
+            </a:r>
+            <a:r>
+              <a:rPr lang="en-US" altLang="zh-TW" sz="2800" dirty="0" err="1" smtClean="0"/>
+              <a:t>jerryspark</a:t>
+            </a:r>
+            <a:r>
+              <a:rPr lang="en-US" altLang="zh-TW" sz="2800" dirty="0" smtClean="0"/>
+              <a:t>/</a:t>
+            </a:r>
+            <a:r>
+              <a:rPr lang="en-US" altLang="zh-TW" sz="2800" dirty="0" err="1" smtClean="0"/>
+              <a:t>ubuntu:ubuntuwithgit</a:t>
+            </a:r>
+            <a:endParaRPr lang="en-US" altLang="zh-TW" sz="2800" dirty="0" smtClean="0"/>
+          </a:p>
+          <a:p>
+            <a:pPr>
+              <a:buNone/>
+            </a:pPr>
+            <a:endParaRPr lang="en-US" altLang="zh-TW" sz="2800" dirty="0" smtClean="0"/>
+          </a:p>
+          <a:p>
+            <a:pPr>
+              <a:buNone/>
+            </a:pPr>
+            <a:r>
+              <a:rPr lang="en-US" altLang="zh-TW" sz="2800" dirty="0" err="1" smtClean="0"/>
+              <a:t>docker</a:t>
+            </a:r>
+            <a:r>
+              <a:rPr lang="en-US" altLang="zh-TW" sz="2800" dirty="0" smtClean="0"/>
+              <a:t> images | </a:t>
+            </a:r>
+            <a:r>
+              <a:rPr lang="en-US" altLang="zh-TW" sz="2800" dirty="0" err="1" smtClean="0"/>
+              <a:t>grep</a:t>
+            </a:r>
+            <a:r>
+              <a:rPr lang="en-US" altLang="zh-TW" sz="2800" dirty="0" smtClean="0"/>
+              <a:t> </a:t>
+            </a:r>
+            <a:r>
+              <a:rPr lang="en-US" altLang="zh-TW" sz="2800" dirty="0" err="1" smtClean="0"/>
+              <a:t>ubuntuwithgit</a:t>
+            </a:r>
+            <a:endParaRPr lang="en-US" altLang="zh-TW" sz="2800" dirty="0" smtClean="0"/>
+          </a:p>
+          <a:p>
+            <a:pPr>
+              <a:buNone/>
+            </a:pPr>
+            <a:r>
+              <a:rPr lang="en-US" altLang="zh-TW" sz="2800" dirty="0" err="1" smtClean="0"/>
+              <a:t>docker</a:t>
+            </a:r>
+            <a:r>
+              <a:rPr lang="en-US" altLang="zh-TW" sz="2800" dirty="0" smtClean="0"/>
+              <a:t> </a:t>
+            </a:r>
+            <a:r>
+              <a:rPr lang="en-US" altLang="zh-TW" sz="2800" dirty="0" smtClean="0"/>
+              <a:t>push </a:t>
+            </a:r>
+            <a:r>
+              <a:rPr lang="en-US" altLang="zh-TW" sz="2800" dirty="0" err="1" smtClean="0"/>
+              <a:t>jerryspark</a:t>
+            </a:r>
+            <a:r>
+              <a:rPr lang="en-US" altLang="zh-TW" sz="2800" dirty="0" smtClean="0"/>
+              <a:t>/</a:t>
+            </a:r>
+            <a:r>
+              <a:rPr lang="en-US" altLang="zh-TW" sz="2800" dirty="0" err="1" smtClean="0"/>
+              <a:t>ubuntu</a:t>
+            </a:r>
+            <a:endParaRPr lang="zh-TW" altLang="en-US" sz="2800" dirty="0"/>
+          </a:p>
+        </p:txBody>
+      </p:sp>
+      <p:cxnSp>
+        <p:nvCxnSpPr>
+          <p:cNvPr id="4" name="直線單箭頭接點 3"/>
+          <p:cNvCxnSpPr/>
+          <p:nvPr/>
+        </p:nvCxnSpPr>
+        <p:spPr>
+          <a:xfrm flipH="1">
+            <a:off x="7236296" y="846004"/>
+            <a:ext cx="35496" cy="792088"/>
+          </a:xfrm>
+          <a:prstGeom prst="straightConnector1">
+            <a:avLst/>
+          </a:prstGeom>
+          <a:ln>
+            <a:solidFill>
+              <a:srgbClr val="FF0000"/>
+            </a:solidFill>
+            <a:tailEnd type="arrow"/>
+          </a:ln>
+        </p:spPr>
+        <p:style>
+          <a:lnRef idx="2">
+            <a:schemeClr val="accent1"/>
+          </a:lnRef>
+          <a:fillRef idx="0">
+            <a:schemeClr val="accent1"/>
+          </a:fillRef>
+          <a:effectRef idx="1">
+            <a:schemeClr val="accent1"/>
+          </a:effectRef>
+          <a:fontRef idx="minor">
+            <a:schemeClr val="tx1"/>
+          </a:fontRef>
+        </p:style>
+      </p:cxnSp>
+      <p:sp>
+        <p:nvSpPr>
+          <p:cNvPr id="5" name="矩形 4"/>
+          <p:cNvSpPr/>
+          <p:nvPr/>
+        </p:nvSpPr>
+        <p:spPr>
+          <a:xfrm>
+            <a:off x="6588224" y="476672"/>
+            <a:ext cx="1944216" cy="369332"/>
+          </a:xfrm>
+          <a:prstGeom prst="rect">
+            <a:avLst/>
+          </a:prstGeom>
+        </p:spPr>
+        <p:txBody>
+          <a:bodyPr wrap="square">
+            <a:spAutoFit/>
+          </a:bodyPr>
+          <a:lstStyle/>
+          <a:p>
+            <a:r>
+              <a:rPr lang="en-US" altLang="zh-TW" dirty="0" smtClean="0"/>
+              <a:t>Container ID</a:t>
+            </a:r>
+            <a:endParaRPr lang="zh-TW" altLang="en-US" dirty="0"/>
+          </a:p>
+        </p:txBody>
+      </p:sp>
+      <p:pic>
+        <p:nvPicPr>
+          <p:cNvPr id="6146" name="Picture 2"/>
+          <p:cNvPicPr>
+            <a:picLocks noChangeAspect="1" noChangeArrowheads="1"/>
+          </p:cNvPicPr>
+          <p:nvPr/>
+        </p:nvPicPr>
+        <p:blipFill>
+          <a:blip r:embed="rId2" cstate="print"/>
+          <a:srcRect/>
+          <a:stretch>
+            <a:fillRect/>
+          </a:stretch>
+        </p:blipFill>
+        <p:spPr bwMode="auto">
+          <a:xfrm>
+            <a:off x="0" y="4869160"/>
+            <a:ext cx="9144000" cy="1065007"/>
+          </a:xfrm>
+          <a:prstGeom prst="rect">
+            <a:avLst/>
+          </a:prstGeom>
+          <a:noFill/>
+          <a:ln w="9525">
+            <a:noFill/>
+            <a:miter lim="800000"/>
+            <a:headEnd/>
+            <a:tailEnd/>
+          </a:ln>
+        </p:spPr>
+      </p:pic>
+    </p:spTree>
+  </p:cSld>
+  <p:clrMapOvr>
+    <a:masterClrMapping/>
+  </p:clrMapOvr>
+  <p:timing>
+    <p:tnLst>
+      <p:par>
+        <p:cTn id="1" dur="indefinite" restart="never" nodeType="tmRoot"/>
+      </p:par>
+    </p:tnLst>
+  </p:timing>
 </p:sld>
 </file>
 
@@ -3396,6 +5089,116 @@
   <p:clrMapOvr>
     <a:masterClrMapping/>
   </p:clrMapOvr>
+</p:sld>
+</file>
+
+<file path=ppt/slides/slide20.xml><?xml version="1.0" encoding="utf-8"?>
+<p:sld xmlns:a="http://schemas.openxmlformats.org/drawingml/2006/main" xmlns:r="http://schemas.openxmlformats.org/officeDocument/2006/relationships" xmlns:p="http://schemas.openxmlformats.org/presentationml/2006/main">
+  <p:cSld>
+    <p:spTree>
+      <p:nvGrpSpPr>
+        <p:cNvPr id="1" name=""/>
+        <p:cNvGrpSpPr/>
+        <p:nvPr/>
+      </p:nvGrpSpPr>
+      <p:grpSpPr>
+        <a:xfrm>
+          <a:off x="0" y="0"/>
+          <a:ext cx="0" cy="0"/>
+          <a:chOff x="0" y="0"/>
+          <a:chExt cx="0" cy="0"/>
+        </a:xfrm>
+      </p:grpSpPr>
+      <p:sp>
+        <p:nvSpPr>
+          <p:cNvPr id="2" name="標題 1"/>
+          <p:cNvSpPr>
+            <a:spLocks noGrp="1"/>
+          </p:cNvSpPr>
+          <p:nvPr>
+            <p:ph type="title"/>
+          </p:nvPr>
+        </p:nvSpPr>
+        <p:spPr/>
+        <p:txBody>
+          <a:bodyPr/>
+          <a:lstStyle/>
+          <a:p>
+            <a:r>
+              <a:rPr lang="en-US" altLang="zh-TW" dirty="0" err="1" smtClean="0"/>
+              <a:t>docker</a:t>
+            </a:r>
+            <a:r>
+              <a:rPr lang="en-US" altLang="zh-TW" dirty="0" smtClean="0"/>
+              <a:t> pull </a:t>
+            </a:r>
+            <a:endParaRPr lang="zh-TW" altLang="en-US" dirty="0"/>
+          </a:p>
+        </p:txBody>
+      </p:sp>
+      <p:sp>
+        <p:nvSpPr>
+          <p:cNvPr id="3" name="內容版面配置區 2"/>
+          <p:cNvSpPr>
+            <a:spLocks noGrp="1"/>
+          </p:cNvSpPr>
+          <p:nvPr>
+            <p:ph idx="1"/>
+          </p:nvPr>
+        </p:nvSpPr>
+        <p:spPr/>
+        <p:txBody>
+          <a:bodyPr/>
+          <a:lstStyle/>
+          <a:p>
+            <a:endParaRPr lang="zh-TW" altLang="en-US"/>
+          </a:p>
+        </p:txBody>
+      </p:sp>
+      <p:pic>
+        <p:nvPicPr>
+          <p:cNvPr id="11266" name="Picture 2"/>
+          <p:cNvPicPr>
+            <a:picLocks noChangeAspect="1" noChangeArrowheads="1"/>
+          </p:cNvPicPr>
+          <p:nvPr/>
+        </p:nvPicPr>
+        <p:blipFill>
+          <a:blip r:embed="rId2" cstate="print"/>
+          <a:srcRect/>
+          <a:stretch>
+            <a:fillRect/>
+          </a:stretch>
+        </p:blipFill>
+        <p:spPr bwMode="auto">
+          <a:xfrm>
+            <a:off x="0" y="1700808"/>
+            <a:ext cx="9144000" cy="3542852"/>
+          </a:xfrm>
+          <a:prstGeom prst="rect">
+            <a:avLst/>
+          </a:prstGeom>
+          <a:noFill/>
+          <a:ln w="9525">
+            <a:noFill/>
+            <a:miter lim="800000"/>
+            <a:headEnd/>
+            <a:tailEnd/>
+          </a:ln>
+        </p:spPr>
+      </p:pic>
+    </p:spTree>
+  </p:cSld>
+  <p:clrMapOvr>
+    <a:masterClrMapping/>
+  </p:clrMapOvr>
+  <p:timing>
+    <p:tnLst>
+      <p:par>
+        <p:cTn id="1" dur="indefinite" restart="never" nodeType="tmRoot"/>
+      </p:par>
+    </p:tnLst>
+  </p:timing>
 </p:sld>
 </file>
 
@@ -4061,32 +5864,10 @@
         </p:nvSpPr>
         <p:spPr/>
         <p:txBody>
-          <a:bodyPr>
-            <a:normAutofit fontScale="90000"/>
-          </a:bodyPr>
-          <a:lstStyle/>
-          <a:p>
-            <a:r>
-              <a:rPr lang="en-US" altLang="zh-TW" dirty="0" smtClean="0"/>
-              <a:t>Getting Started</a:t>
-            </a:r>
-            <a:r>
-              <a:rPr lang="zh-TW" altLang="en-US" dirty="0" smtClean="0"/>
-              <a:t> </a:t>
-            </a:r>
-            <a:r>
-              <a:rPr lang="en-US" altLang="zh-TW" dirty="0" smtClean="0"/>
-              <a:t>(</a:t>
-            </a:r>
-            <a:r>
-              <a:rPr lang="en-US" altLang="zh-TW" dirty="0" err="1" smtClean="0"/>
-              <a:t>ubuntu</a:t>
-            </a:r>
-            <a:r>
-              <a:rPr lang="en-US" altLang="zh-TW" dirty="0" smtClean="0"/>
-              <a:t> 14.10 64bit)</a:t>
-            </a:r>
-            <a:endParaRPr lang="zh-TW" altLang="en-US" dirty="0"/>
+          <a:bodyPr/>
+          <a:lstStyle/>
+          <a:p>
+            <a:endParaRPr lang="zh-TW" altLang="en-US"/>
           </a:p>
         </p:txBody>
       </p:sp>
@@ -4105,104 +5886,54 @@
           <a:bodyPr/>
           <a:lstStyle/>
           <a:p>
-            <a:pPr>
-              <a:buNone/>
-            </a:pPr>
-            <a:r>
-              <a:rPr lang="en-US" altLang="zh-TW" dirty="0" err="1" smtClean="0"/>
-              <a:t>s</a:t>
-            </a:r>
-            <a:r>
-              <a:rPr lang="en-US" altLang="zh-TW" dirty="0" err="1" smtClean="0"/>
-              <a:t>udo</a:t>
-            </a:r>
-            <a:r>
-              <a:rPr lang="en-US" altLang="zh-TW" dirty="0" smtClean="0"/>
-              <a:t> apt-get </a:t>
-            </a:r>
-            <a:r>
-              <a:rPr lang="en-US" altLang="zh-TW" dirty="0" smtClean="0"/>
-              <a:t>update</a:t>
-            </a:r>
-          </a:p>
-          <a:p>
-            <a:pPr>
-              <a:buNone/>
-            </a:pPr>
-            <a:r>
-              <a:rPr lang="en-US" altLang="zh-TW" dirty="0" err="1" smtClean="0"/>
-              <a:t>s</a:t>
-            </a:r>
-            <a:r>
-              <a:rPr lang="en-US" altLang="zh-TW" dirty="0" err="1" smtClean="0"/>
-              <a:t>udo</a:t>
-            </a:r>
-            <a:r>
-              <a:rPr lang="en-US" altLang="zh-TW" dirty="0" smtClean="0"/>
-              <a:t> apt-get </a:t>
-            </a:r>
-            <a:r>
-              <a:rPr lang="en-US" altLang="zh-TW" dirty="0" smtClean="0"/>
-              <a:t>-y install </a:t>
-            </a:r>
-            <a:r>
-              <a:rPr lang="en-US" altLang="zh-TW" dirty="0" smtClean="0"/>
-              <a:t>docker.io</a:t>
-            </a:r>
-          </a:p>
-          <a:p>
-            <a:pPr>
-              <a:buNone/>
-            </a:pPr>
-            <a:r>
-              <a:rPr lang="en-US" altLang="zh-TW" dirty="0" err="1" smtClean="0"/>
-              <a:t>sudo</a:t>
-            </a:r>
-            <a:r>
-              <a:rPr lang="en-US" altLang="zh-TW" dirty="0" smtClean="0"/>
-              <a:t> </a:t>
-            </a:r>
-            <a:r>
-              <a:rPr lang="en-US" altLang="zh-TW" dirty="0" err="1" smtClean="0"/>
-              <a:t>docker</a:t>
-            </a:r>
-            <a:r>
-              <a:rPr lang="en-US" altLang="zh-TW" dirty="0" smtClean="0"/>
-              <a:t> info</a:t>
-            </a:r>
-          </a:p>
-          <a:p>
-            <a:pPr>
-              <a:buNone/>
-            </a:pPr>
-            <a:r>
-              <a:rPr lang="en-US" altLang="zh-TW" dirty="0" err="1" smtClean="0"/>
-              <a:t>sudo</a:t>
-            </a:r>
-            <a:r>
-              <a:rPr lang="en-US" altLang="zh-TW" dirty="0" smtClean="0"/>
-              <a:t> </a:t>
-            </a:r>
-            <a:r>
-              <a:rPr lang="en-US" altLang="zh-TW" dirty="0" err="1" smtClean="0"/>
-              <a:t>docker</a:t>
-            </a:r>
-            <a:r>
-              <a:rPr lang="en-US" altLang="zh-TW" dirty="0" smtClean="0"/>
-              <a:t> login</a:t>
-            </a:r>
-            <a:r>
-              <a:rPr lang="en-US" altLang="zh-TW" dirty="0" smtClean="0"/>
-              <a:t> </a:t>
-            </a:r>
-          </a:p>
-        </p:txBody>
-      </p:sp>
+            <a:endParaRPr lang="zh-TW" altLang="en-US"/>
+          </a:p>
+        </p:txBody>
+      </p:sp>
+      <p:pic>
+        <p:nvPicPr>
+          <p:cNvPr id="8194" name="Picture 2"/>
+          <p:cNvPicPr>
+            <a:picLocks noChangeAspect="1" noChangeArrowheads="1"/>
+          </p:cNvPicPr>
+          <p:nvPr/>
+        </p:nvPicPr>
+        <p:blipFill>
+          <a:blip r:embed="rId2" cstate="print"/>
+          <a:srcRect/>
+          <a:stretch>
+            <a:fillRect/>
+          </a:stretch>
+        </p:blipFill>
+        <p:spPr bwMode="auto">
+          <a:xfrm>
+            <a:off x="0" y="620688"/>
+            <a:ext cx="9144000" cy="5239054"/>
+          </a:xfrm>
+          <a:prstGeom prst="rect">
+            <a:avLst/>
+          </a:prstGeom>
+          <a:noFill/>
+          <a:ln w="9525">
+            <a:noFill/>
+            <a:miter lim="800000"/>
+            <a:headEnd/>
+            <a:tailEnd/>
+          </a:ln>
+        </p:spPr>
+      </p:pic>
     </p:spTree>
   </p:cSld>
   <p:clrMapOvr>
     <a:masterClrMapping/>
   </p:clrMapOvr>
+  <p:timing>
+    <p:tnLst>
+      <p:par>
+        <p:cTn id="1" dur="indefinite" restart="never" nodeType="tmRoot"/>
+      </p:par>
+    </p:tnLst>
+  </p:timing>
 </p:sld>
 </file>
 
@@ -4257,71 +5988,42 @@
           <a:bodyPr/>
           <a:lstStyle/>
           <a:p>
-            <a:r>
-              <a:rPr lang="en-US" altLang="zh-TW" dirty="0" err="1" smtClean="0"/>
-              <a:t>sudo</a:t>
-            </a:r>
-            <a:r>
-              <a:rPr lang="en-US" altLang="zh-TW" dirty="0" smtClean="0"/>
-              <a:t> search </a:t>
-            </a:r>
-            <a:r>
-              <a:rPr lang="en-US" altLang="zh-TW" dirty="0" err="1" smtClean="0"/>
-              <a:t>ubuntu</a:t>
-            </a:r>
-            <a:endParaRPr lang="en-US" altLang="zh-TW" dirty="0" smtClean="0"/>
-          </a:p>
-          <a:p>
-            <a:pPr>
-              <a:buNone/>
-            </a:pPr>
-            <a:r>
-              <a:rPr lang="en-US" altLang="zh-TW" dirty="0" smtClean="0"/>
-              <a:t># </a:t>
-            </a:r>
-            <a:r>
-              <a:rPr lang="en-US" altLang="zh-TW" dirty="0" smtClean="0"/>
-              <a:t> Get </a:t>
-            </a:r>
-            <a:r>
-              <a:rPr lang="en-US" altLang="zh-TW" dirty="0" smtClean="0"/>
-              <a:t>started </a:t>
-            </a:r>
-            <a:r>
-              <a:rPr lang="en-US" altLang="zh-TW" dirty="0" err="1" smtClean="0"/>
-              <a:t>ubuntu</a:t>
-            </a:r>
-            <a:r>
-              <a:rPr lang="en-US" altLang="zh-TW" dirty="0" smtClean="0"/>
-              <a:t> container with date</a:t>
-            </a:r>
-            <a:endParaRPr lang="zh-TW" altLang="en-US" dirty="0" smtClean="0"/>
-          </a:p>
-          <a:p>
-            <a:r>
-              <a:rPr lang="en-US" altLang="zh-TW" dirty="0" err="1" smtClean="0"/>
-              <a:t>s</a:t>
-            </a:r>
-            <a:r>
-              <a:rPr lang="en-US" altLang="zh-TW" dirty="0" err="1" smtClean="0"/>
-              <a:t>udo</a:t>
-            </a:r>
-            <a:r>
-              <a:rPr lang="en-US" altLang="zh-TW" dirty="0" smtClean="0"/>
-              <a:t> run </a:t>
-            </a:r>
-            <a:r>
-              <a:rPr lang="en-US" altLang="zh-TW" dirty="0" err="1" smtClean="0"/>
-              <a:t>ubuntu</a:t>
-            </a:r>
-            <a:r>
-              <a:rPr lang="en-US" altLang="zh-TW" dirty="0" smtClean="0"/>
-              <a:t>  /bin/date</a:t>
-            </a:r>
-            <a:endParaRPr lang="zh-TW" altLang="en-US" dirty="0"/>
-          </a:p>
-        </p:txBody>
-      </p:sp>
+            <a:endParaRPr lang="zh-TW" altLang="en-US"/>
+          </a:p>
+        </p:txBody>
+      </p:sp>
+      <p:pic>
+        <p:nvPicPr>
+          <p:cNvPr id="9218" name="Picture 2"/>
+          <p:cNvPicPr>
+            <a:picLocks noChangeAspect="1" noChangeArrowheads="1"/>
+          </p:cNvPicPr>
+          <p:nvPr/>
+        </p:nvPicPr>
+        <p:blipFill>
+          <a:blip r:embed="rId2" cstate="print"/>
+          <a:srcRect/>
+          <a:stretch>
+            <a:fillRect/>
+          </a:stretch>
+        </p:blipFill>
+        <p:spPr bwMode="auto">
+          <a:xfrm>
+            <a:off x="0" y="692696"/>
+            <a:ext cx="9155064" cy="5112568"/>
+          </a:xfrm>
+          <a:prstGeom prst="rect">
+            <a:avLst/>
+          </a:prstGeom>
+          <a:noFill/>
+          <a:ln w="9525">
+            <a:noFill/>
+            <a:miter lim="800000"/>
+            <a:headEnd/>
+            <a:tailEnd/>
+          </a:ln>
+        </p:spPr>
+      </p:pic>
     </p:spTree>
   </p:cSld>
   <p:clrMapOvr>

--- a/Docker.pptx
+++ b/Docker.pptx
@@ -25,6 +25,7 @@
     <p:sldId id="269" r:id="rId19"/>
     <p:sldId id="270" r:id="rId20"/>
     <p:sldId id="275" r:id="rId21"/>
+    <p:sldId id="276" r:id="rId22"/>
   </p:sldIdLst>
   <p:sldSz cx="9144000" cy="6858000" type="screen4x3"/>
   <p:notesSz cx="6858000" cy="9144000"/>
@@ -308,7 +309,7 @@
             <a:fld id="{5BBEAD13-0566-4C6C-97E7-55F17F24B09F}" type="datetimeFigureOut">
               <a:rPr lang="zh-TW" altLang="en-US" smtClean="0"/>
               <a:pPr/>
-              <a:t>2015/11/16</a:t>
+              <a:t>2015/11/17</a:t>
             </a:fld>
             <a:endParaRPr lang="zh-TW" altLang="en-US"/>
           </a:p>
@@ -528,7 +529,7 @@
             <a:fld id="{5BBEAD13-0566-4C6C-97E7-55F17F24B09F}" type="datetimeFigureOut">
               <a:rPr lang="zh-TW" altLang="en-US" smtClean="0"/>
               <a:pPr/>
-              <a:t>2015/11/16</a:t>
+              <a:t>2015/11/17</a:t>
             </a:fld>
             <a:endParaRPr lang="zh-TW" altLang="en-US"/>
           </a:p>
@@ -710,7 +711,7 @@
             <a:fld id="{5BBEAD13-0566-4C6C-97E7-55F17F24B09F}" type="datetimeFigureOut">
               <a:rPr lang="zh-TW" altLang="en-US" smtClean="0"/>
               <a:pPr/>
-              <a:t>2015/11/16</a:t>
+              <a:t>2015/11/17</a:t>
             </a:fld>
             <a:endParaRPr lang="zh-TW" altLang="en-US"/>
           </a:p>
@@ -882,7 +883,7 @@
             <a:fld id="{5BBEAD13-0566-4C6C-97E7-55F17F24B09F}" type="datetimeFigureOut">
               <a:rPr lang="zh-TW" altLang="en-US" smtClean="0"/>
               <a:pPr/>
-              <a:t>2015/11/16</a:t>
+              <a:t>2015/11/17</a:t>
             </a:fld>
             <a:endParaRPr lang="zh-TW" altLang="en-US"/>
           </a:p>
@@ -1177,7 +1178,7 @@
             <a:fld id="{5BBEAD13-0566-4C6C-97E7-55F17F24B09F}" type="datetimeFigureOut">
               <a:rPr lang="zh-TW" altLang="en-US" smtClean="0"/>
               <a:pPr/>
-              <a:t>2015/11/16</a:t>
+              <a:t>2015/11/17</a:t>
             </a:fld>
             <a:endParaRPr lang="zh-TW" altLang="en-US"/>
           </a:p>
@@ -1467,7 +1468,7 @@
             <a:fld id="{5BBEAD13-0566-4C6C-97E7-55F17F24B09F}" type="datetimeFigureOut">
               <a:rPr lang="zh-TW" altLang="en-US" smtClean="0"/>
               <a:pPr/>
-              <a:t>2015/11/16</a:t>
+              <a:t>2015/11/17</a:t>
             </a:fld>
             <a:endParaRPr lang="zh-TW" altLang="en-US"/>
           </a:p>
@@ -1891,7 +1892,7 @@
             <a:fld id="{5BBEAD13-0566-4C6C-97E7-55F17F24B09F}" type="datetimeFigureOut">
               <a:rPr lang="zh-TW" altLang="en-US" smtClean="0"/>
               <a:pPr/>
-              <a:t>2015/11/16</a:t>
+              <a:t>2015/11/17</a:t>
             </a:fld>
             <a:endParaRPr lang="zh-TW" altLang="en-US"/>
           </a:p>
@@ -2011,7 +2012,7 @@
             <a:fld id="{5BBEAD13-0566-4C6C-97E7-55F17F24B09F}" type="datetimeFigureOut">
               <a:rPr lang="zh-TW" altLang="en-US" smtClean="0"/>
               <a:pPr/>
-              <a:t>2015/11/16</a:t>
+              <a:t>2015/11/17</a:t>
             </a:fld>
             <a:endParaRPr lang="zh-TW" altLang="en-US"/>
           </a:p>
@@ -2108,7 +2109,7 @@
             <a:fld id="{5BBEAD13-0566-4C6C-97E7-55F17F24B09F}" type="datetimeFigureOut">
               <a:rPr lang="zh-TW" altLang="en-US" smtClean="0"/>
               <a:pPr/>
-              <a:t>2015/11/16</a:t>
+              <a:t>2015/11/17</a:t>
             </a:fld>
             <a:endParaRPr lang="zh-TW" altLang="en-US"/>
           </a:p>
@@ -2387,7 +2388,7 @@
             <a:fld id="{5BBEAD13-0566-4C6C-97E7-55F17F24B09F}" type="datetimeFigureOut">
               <a:rPr lang="zh-TW" altLang="en-US" smtClean="0"/>
               <a:pPr/>
-              <a:t>2015/11/16</a:t>
+              <a:t>2015/11/17</a:t>
             </a:fld>
             <a:endParaRPr lang="zh-TW" altLang="en-US"/>
           </a:p>
@@ -2646,7 +2647,7 @@
             <a:fld id="{5BBEAD13-0566-4C6C-97E7-55F17F24B09F}" type="datetimeFigureOut">
               <a:rPr lang="zh-TW" altLang="en-US" smtClean="0"/>
               <a:pPr/>
-              <a:t>2015/11/16</a:t>
+              <a:t>2015/11/17</a:t>
             </a:fld>
             <a:endParaRPr lang="zh-TW" altLang="en-US"/>
           </a:p>
@@ -2861,7 +2862,7 @@
             <a:fld id="{5BBEAD13-0566-4C6C-97E7-55F17F24B09F}" type="datetimeFigureOut">
               <a:rPr lang="zh-TW" altLang="en-US" smtClean="0"/>
               <a:pPr/>
-              <a:t>2015/11/16</a:t>
+              <a:t>2015/11/17</a:t>
             </a:fld>
             <a:endParaRPr lang="zh-TW" altLang="en-US"/>
           </a:p>
@@ -3730,15 +3731,7 @@
             </a:r>
             <a:r>
               <a:rPr lang="en-US" altLang="zh-TW" dirty="0" smtClean="0"/>
-              <a:t> </a:t>
-            </a:r>
-            <a:r>
-              <a:rPr lang="en-US" altLang="zh-TW" dirty="0" smtClean="0"/>
-              <a:t>container with </a:t>
-            </a:r>
-            <a:r>
-              <a:rPr lang="en-US" altLang="zh-TW" dirty="0" smtClean="0"/>
-              <a:t>date</a:t>
+              <a:t> container with date</a:t>
             </a:r>
             <a:endParaRPr lang="zh-TW" altLang="en-US" dirty="0"/>
           </a:p>
@@ -3764,11 +3757,7 @@
             </a:pPr>
             <a:r>
               <a:rPr lang="en-US" altLang="zh-TW" dirty="0" err="1" smtClean="0"/>
-              <a:t>s</a:t>
-            </a:r>
-            <a:r>
-              <a:rPr lang="en-US" altLang="zh-TW" dirty="0" err="1" smtClean="0"/>
-              <a:t>udo</a:t>
+              <a:t>sudo</a:t>
             </a:r>
             <a:r>
               <a:rPr lang="en-US" altLang="zh-TW" dirty="0" smtClean="0"/>
@@ -3780,11 +3769,7 @@
             </a:r>
             <a:r>
               <a:rPr lang="en-US" altLang="zh-TW" dirty="0" smtClean="0"/>
-              <a:t> </a:t>
-            </a:r>
-            <a:r>
-              <a:rPr lang="en-US" altLang="zh-TW" dirty="0" smtClean="0"/>
-              <a:t>search </a:t>
+              <a:t> search </a:t>
             </a:r>
             <a:r>
               <a:rPr lang="en-US" altLang="zh-TW" dirty="0" err="1" smtClean="0"/>
@@ -3798,11 +3783,7 @@
             </a:pPr>
             <a:r>
               <a:rPr lang="en-US" altLang="zh-TW" dirty="0" err="1" smtClean="0"/>
-              <a:t>s</a:t>
-            </a:r>
-            <a:r>
-              <a:rPr lang="en-US" altLang="zh-TW" dirty="0" err="1" smtClean="0"/>
-              <a:t>udo</a:t>
+              <a:t>sudo</a:t>
             </a:r>
             <a:r>
               <a:rPr lang="en-US" altLang="zh-TW" dirty="0" smtClean="0"/>
@@ -3814,11 +3795,7 @@
             </a:r>
             <a:r>
               <a:rPr lang="en-US" altLang="zh-TW" dirty="0" smtClean="0"/>
-              <a:t> </a:t>
-            </a:r>
-            <a:r>
-              <a:rPr lang="en-US" altLang="zh-TW" dirty="0" smtClean="0"/>
-              <a:t>run </a:t>
+              <a:t> run </a:t>
             </a:r>
             <a:r>
               <a:rPr lang="en-US" altLang="zh-TW" dirty="0" err="1" smtClean="0"/>
@@ -3939,15 +3916,7 @@
             </a:pPr>
             <a:r>
               <a:rPr lang="sv-SE" altLang="zh-TW" dirty="0" smtClean="0"/>
-              <a:t>docker </a:t>
-            </a:r>
-            <a:r>
-              <a:rPr lang="sv-SE" altLang="zh-TW" dirty="0" smtClean="0"/>
-              <a:t>run -t -i ubuntu </a:t>
-            </a:r>
-            <a:r>
-              <a:rPr lang="sv-SE" altLang="zh-TW" dirty="0" smtClean="0"/>
-              <a:t>bash</a:t>
+              <a:t>docker run -t -i ubuntu bash</a:t>
             </a:r>
           </a:p>
           <a:p>
@@ -4156,11 +4125,7 @@
             </a:r>
             <a:r>
               <a:rPr lang="en-US" altLang="zh-TW" dirty="0" smtClean="0"/>
-              <a:t> </a:t>
-            </a:r>
-            <a:r>
-              <a:rPr lang="en-US" altLang="zh-TW" dirty="0" smtClean="0"/>
-              <a:t>--help</a:t>
+              <a:t> --help</a:t>
             </a:r>
           </a:p>
           <a:p>
@@ -4294,11 +4259,7 @@
             </a:pPr>
             <a:r>
               <a:rPr lang="sv-SE" altLang="zh-TW" dirty="0" smtClean="0"/>
-              <a:t>d</a:t>
-            </a:r>
-            <a:r>
-              <a:rPr lang="sv-SE" altLang="zh-TW" dirty="0" smtClean="0"/>
-              <a:t>ocker ps # list</a:t>
+              <a:t>docker ps # list</a:t>
             </a:r>
           </a:p>
           <a:p>
@@ -4311,11 +4272,7 @@
             </a:r>
             <a:r>
               <a:rPr lang="en-US" altLang="zh-TW" dirty="0" smtClean="0"/>
-              <a:t> </a:t>
-            </a:r>
-            <a:r>
-              <a:rPr lang="en-US" altLang="zh-TW" dirty="0" smtClean="0"/>
-              <a:t>start abab6aa5a2de</a:t>
+              <a:t> start abab6aa5a2de</a:t>
             </a:r>
           </a:p>
           <a:p>
@@ -4328,15 +4285,7 @@
             </a:r>
             <a:r>
               <a:rPr lang="en-US" altLang="zh-TW" dirty="0" smtClean="0"/>
-              <a:t> </a:t>
-            </a:r>
-            <a:r>
-              <a:rPr lang="en-US" altLang="zh-TW" dirty="0" smtClean="0"/>
-              <a:t>stop </a:t>
-            </a:r>
-            <a:r>
-              <a:rPr lang="en-US" altLang="zh-TW" dirty="0" smtClean="0"/>
-              <a:t>abab6aa5a2de</a:t>
+              <a:t> stop abab6aa5a2de</a:t>
             </a:r>
             <a:endParaRPr lang="sv-SE" altLang="zh-TW" dirty="0" smtClean="0"/>
           </a:p>
@@ -4439,11 +4388,7 @@
             </a:r>
             <a:r>
               <a:rPr lang="en-US" altLang="zh-TW" dirty="0" smtClean="0"/>
-              <a:t> </a:t>
-            </a:r>
-            <a:r>
-              <a:rPr lang="en-US" altLang="zh-TW" dirty="0" smtClean="0"/>
-              <a:t>Image</a:t>
+              <a:t> Image</a:t>
             </a:r>
             <a:endParaRPr lang="zh-TW" altLang="en-US" dirty="0" smtClean="0"/>
           </a:p>
@@ -4609,11 +4554,7 @@
             </a:r>
             <a:r>
               <a:rPr lang="en-US" altLang="zh-TW" dirty="0" smtClean="0"/>
-              <a:t> </a:t>
-            </a:r>
-            <a:r>
-              <a:rPr lang="en-US" altLang="zh-TW" dirty="0" smtClean="0"/>
-              <a:t>run -t -</a:t>
+              <a:t> run -t -</a:t>
             </a:r>
             <a:r>
               <a:rPr lang="en-US" altLang="zh-TW" dirty="0" err="1" smtClean="0"/>
@@ -4644,7 +4585,6 @@
               <a:rPr lang="en-US" altLang="zh-TW" dirty="0" smtClean="0"/>
               <a:t> --version</a:t>
             </a:r>
-            <a:endParaRPr lang="en-US" altLang="zh-TW" dirty="0" smtClean="0"/>
           </a:p>
           <a:p>
             <a:pPr>
@@ -4661,11 +4601,7 @@
             </a:pPr>
             <a:r>
               <a:rPr lang="en-US" altLang="zh-TW" dirty="0" smtClean="0"/>
-              <a:t>apt-get -y </a:t>
-            </a:r>
-            <a:r>
-              <a:rPr lang="en-US" altLang="zh-TW" dirty="0" smtClean="0"/>
-              <a:t>install </a:t>
+              <a:t>apt-get -y install </a:t>
             </a:r>
             <a:r>
               <a:rPr lang="en-US" altLang="zh-TW" dirty="0" err="1" smtClean="0"/>
@@ -4797,7 +4733,19 @@
             </a:r>
             <a:r>
               <a:rPr lang="en-US" altLang="zh-TW" sz="2800" dirty="0" smtClean="0"/>
-              <a:t> commit -m="Add </a:t>
+              <a:t> commit -m</a:t>
+            </a:r>
+            <a:r>
+              <a:rPr lang="en-US" altLang="zh-TW" sz="2800" dirty="0" smtClean="0"/>
+              <a:t>=</a:t>
+            </a:r>
+            <a:r>
+              <a:rPr lang="en-US" altLang="zh-TW" sz="2800" dirty="0" smtClean="0"/>
+              <a:t>" </a:t>
+            </a:r>
+            <a:r>
+              <a:rPr lang="en-US" altLang="zh-TW" sz="2800" dirty="0" smtClean="0"/>
+              <a:t>Add </a:t>
             </a:r>
             <a:r>
               <a:rPr lang="en-US" altLang="zh-TW" sz="2800" dirty="0" err="1" smtClean="0"/>
@@ -4805,7 +4753,19 @@
             </a:r>
             <a:r>
               <a:rPr lang="en-US" altLang="zh-TW" sz="2800" dirty="0" smtClean="0"/>
-              <a:t>" -a="jerry" b43309356e0c </a:t>
+              <a:t> " </a:t>
+            </a:r>
+            <a:r>
+              <a:rPr lang="en-US" altLang="zh-TW" sz="2800" dirty="0" smtClean="0"/>
+              <a:t>-a</a:t>
+            </a:r>
+            <a:r>
+              <a:rPr lang="en-US" altLang="zh-TW" sz="2800" dirty="0" smtClean="0"/>
+              <a:t>="</a:t>
+            </a:r>
+            <a:r>
+              <a:rPr lang="en-US" altLang="zh-TW" sz="2800" dirty="0" smtClean="0"/>
+              <a:t>jerry" b43309356e0c </a:t>
             </a:r>
             <a:r>
               <a:rPr lang="en-US" altLang="zh-TW" sz="2800" dirty="0" err="1" smtClean="0"/>
@@ -4863,11 +4823,7 @@
             </a:r>
             <a:r>
               <a:rPr lang="en-US" altLang="zh-TW" sz="2800" dirty="0" smtClean="0"/>
-              <a:t> </a:t>
-            </a:r>
-            <a:r>
-              <a:rPr lang="en-US" altLang="zh-TW" sz="2800" dirty="0" smtClean="0"/>
-              <a:t>push </a:t>
+              <a:t> push </a:t>
             </a:r>
             <a:r>
               <a:rPr lang="en-US" altLang="zh-TW" sz="2800" dirty="0" err="1" smtClean="0"/>
@@ -4892,9 +4848,9 @@
           <p:nvPr/>
         </p:nvCxnSpPr>
         <p:spPr>
-          <a:xfrm flipH="1">
-            <a:off x="7236296" y="846004"/>
-            <a:ext cx="35496" cy="792088"/>
+          <a:xfrm flipV="1">
+            <a:off x="1403648" y="2492896"/>
+            <a:ext cx="432048" cy="288032"/>
           </a:xfrm>
           <a:prstGeom prst="straightConnector1">
             <a:avLst/>
@@ -4929,7 +4885,7 @@
         </p:nvSpPr>
         <p:spPr>
           <a:xfrm>
-            <a:off x="6588224" y="476672"/>
+            <a:off x="0" y="2564904"/>
             <a:ext cx="1944216" cy="369332"/>
           </a:xfrm>
           <a:prstGeom prst="rect">
@@ -5199,6 +5155,77 @@
       </p:par>
     </p:tnLst>
   </p:timing>
+</p:sld>
+</file>
+
+<file path=ppt/slides/slide21.xml><?xml version="1.0" encoding="utf-8"?>
+<p:sld xmlns:a="http://schemas.openxmlformats.org/drawingml/2006/main" xmlns:r="http://schemas.openxmlformats.org/officeDocument/2006/relationships" xmlns:p="http://schemas.openxmlformats.org/presentationml/2006/main">
+  <p:cSld>
+    <p:spTree>
+      <p:nvGrpSpPr>
+        <p:cNvPr id="1" name=""/>
+        <p:cNvGrpSpPr/>
+        <p:nvPr/>
+      </p:nvGrpSpPr>
+      <p:grpSpPr>
+        <a:xfrm>
+          <a:off x="0" y="0"/>
+          <a:ext cx="0" cy="0"/>
+          <a:chOff x="0" y="0"/>
+          <a:chExt cx="0" cy="0"/>
+        </a:xfrm>
+      </p:grpSpPr>
+      <p:sp>
+        <p:nvSpPr>
+          <p:cNvPr id="4" name="標題 3"/>
+          <p:cNvSpPr>
+            <a:spLocks noGrp="1"/>
+          </p:cNvSpPr>
+          <p:nvPr>
+            <p:ph type="ctrTitle"/>
+          </p:nvPr>
+        </p:nvSpPr>
+        <p:spPr/>
+        <p:txBody>
+          <a:bodyPr/>
+          <a:lstStyle/>
+          <a:p>
+            <a:r>
+              <a:rPr lang="en-US" altLang="zh-TW" dirty="0" err="1" smtClean="0"/>
+              <a:t>Docker</a:t>
+            </a:r>
+            <a:r>
+              <a:rPr lang="en-US" altLang="zh-TW" dirty="0" smtClean="0"/>
+              <a:t> File</a:t>
+            </a:r>
+            <a:endParaRPr lang="zh-TW" altLang="en-US" dirty="0"/>
+          </a:p>
+        </p:txBody>
+      </p:sp>
+      <p:sp>
+        <p:nvSpPr>
+          <p:cNvPr id="5" name="副標題 4"/>
+          <p:cNvSpPr>
+            <a:spLocks noGrp="1"/>
+          </p:cNvSpPr>
+          <p:nvPr>
+            <p:ph type="subTitle" idx="1"/>
+          </p:nvPr>
+        </p:nvSpPr>
+        <p:spPr/>
+        <p:txBody>
+          <a:bodyPr/>
+          <a:lstStyle/>
+          <a:p>
+            <a:endParaRPr lang="zh-TW" altLang="en-US"/>
+          </a:p>
+        </p:txBody>
+      </p:sp>
+    </p:spTree>
+  </p:cSld>
+  <p:clrMapOvr>
+    <a:masterClrMapping/>
+  </p:clrMapOvr>
 </p:sld>
 </file>
 
